--- a/20170224data_slides_2.pptx
+++ b/20170224data_slides_2.pptx
@@ -2,10 +2,10 @@
 <file path=ppt/presentation.xml><?xml version="1.0" encoding="utf-8"?>
 <p:presentation xmlns:a="http://schemas.openxmlformats.org/drawingml/2006/main" xmlns:r="http://schemas.openxmlformats.org/officeDocument/2006/relationships" xmlns:p="http://schemas.openxmlformats.org/presentationml/2006/main" saveSubsetFonts="1">
   <p:sldMasterIdLst>
-    <p:sldMasterId id="2147483648" r:id="rId1"/>
+    <p:sldMasterId id="2147483684" r:id="rId1"/>
   </p:sldMasterIdLst>
   <p:notesMasterIdLst>
-    <p:notesMasterId r:id="rId11"/>
+    <p:notesMasterId r:id="rId12"/>
   </p:notesMasterIdLst>
   <p:sldIdLst>
     <p:sldId id="256" r:id="rId2"/>
@@ -13,12 +13,13 @@
     <p:sldId id="263" r:id="rId4"/>
     <p:sldId id="264" r:id="rId5"/>
     <p:sldId id="265" r:id="rId6"/>
-    <p:sldId id="266" r:id="rId7"/>
-    <p:sldId id="267" r:id="rId8"/>
-    <p:sldId id="268" r:id="rId9"/>
+    <p:sldId id="268" r:id="rId7"/>
+    <p:sldId id="266" r:id="rId8"/>
+    <p:sldId id="267" r:id="rId9"/>
     <p:sldId id="269" r:id="rId10"/>
+    <p:sldId id="271" r:id="rId11"/>
   </p:sldIdLst>
-  <p:sldSz cx="12192000" cy="6858000"/>
+  <p:sldSz cx="9144000" cy="6858000" type="screen4x3"/>
   <p:notesSz cx="6858000" cy="9144000"/>
   <p:defaultTextStyle>
     <a:defPPr>
@@ -117,7 +118,18 @@
   </p:defaultTextStyle>
   <p:extLst>
     <p:ext uri="{EFAFB233-063F-42B5-8137-9DF3F51BA10A}">
-      <p15:sldGuideLst xmlns="" xmlns:p15="http://schemas.microsoft.com/office/powerpoint/2012/main"/>
+      <p15:sldGuideLst xmlns:p15="http://schemas.microsoft.com/office/powerpoint/2012/main">
+        <p15:guide id="1" orient="horz" pos="2160" userDrawn="1">
+          <p15:clr>
+            <a:srgbClr val="A4A3A4"/>
+          </p15:clr>
+        </p15:guide>
+        <p15:guide id="2" pos="2880" userDrawn="1">
+          <p15:clr>
+            <a:srgbClr val="A4A3A4"/>
+          </p15:clr>
+        </p15:guide>
+      </p15:sldGuideLst>
     </p:ext>
   </p:extLst>
 </p:presentation>
@@ -205,7 +217,7 @@
           <a:p>
             <a:fld id="{FF81B80E-AC28-0449-B7CD-9ED0D45851BA}" type="datetimeFigureOut">
               <a:rPr kumimoji="1" lang="zh-TW" altLang="en-US" smtClean="0"/>
-              <a:t>3/2/17</a:t>
+              <a:t>2017/3/2</a:t>
             </a:fld>
             <a:endParaRPr kumimoji="1" lang="zh-TW" altLang="en-US"/>
           </a:p>
@@ -223,8 +235,8 @@
         </p:nvSpPr>
         <p:spPr>
           <a:xfrm>
-            <a:off x="381000" y="685800"/>
-            <a:ext cx="6096000" cy="3429000"/>
+            <a:off x="1143000" y="685800"/>
+            <a:ext cx="4572000" cy="3429000"/>
           </a:xfrm>
           <a:prstGeom prst="rect">
             <a:avLst/>
@@ -500,7 +512,12 @@
             <p:ph type="sldImg"/>
           </p:nvPr>
         </p:nvSpPr>
-        <p:spPr/>
+        <p:spPr>
+          <a:xfrm>
+            <a:off x="1143000" y="685800"/>
+            <a:ext cx="4572000" cy="3429000"/>
+          </a:xfrm>
+        </p:spPr>
       </p:sp>
       <p:sp>
         <p:nvSpPr>
@@ -636,8 +653,8 @@
         </p:nvSpPr>
         <p:spPr>
           <a:xfrm>
-            <a:off x="1524000" y="1122363"/>
-            <a:ext cx="9144000" cy="2387600"/>
+            <a:off x="685800" y="1122363"/>
+            <a:ext cx="7772400" cy="2387600"/>
           </a:xfrm>
         </p:spPr>
         <p:txBody>
@@ -652,7 +669,7 @@
               <a:rPr lang="en-US" smtClean="0"/>
               <a:t>Click to edit Master title style</a:t>
             </a:r>
-            <a:endParaRPr lang="en-US"/>
+            <a:endParaRPr lang="en-US" dirty="0"/>
           </a:p>
         </p:txBody>
       </p:sp>
@@ -668,8 +685,8 @@
         </p:nvSpPr>
         <p:spPr>
           <a:xfrm>
-            <a:off x="1524000" y="3602038"/>
-            <a:ext cx="9144000" cy="1655762"/>
+            <a:off x="1143000" y="3602038"/>
+            <a:ext cx="6858000" cy="1655762"/>
           </a:xfrm>
         </p:spPr>
         <p:txBody>
@@ -717,7 +734,7 @@
               <a:rPr lang="en-US" smtClean="0"/>
               <a:t>Click to edit Master subtitle style</a:t>
             </a:r>
-            <a:endParaRPr lang="en-US"/>
+            <a:endParaRPr lang="en-US" dirty="0"/>
           </a:p>
         </p:txBody>
       </p:sp>
@@ -738,7 +755,7 @@
           <a:p>
             <a:fld id="{27C78BFA-AE4B-4240-94B5-3BA327B38241}" type="datetimeFigureOut">
               <a:rPr lang="en-US" smtClean="0"/>
-              <a:t>3/2/17</a:t>
+              <a:t>3/2/2017</a:t>
             </a:fld>
             <a:endParaRPr lang="en-US"/>
           </a:p>
@@ -789,7 +806,7 @@
     </p:spTree>
     <p:extLst>
       <p:ext uri="{BB962C8B-B14F-4D97-AF65-F5344CB8AC3E}">
-        <p14:creationId xmlns:p14="http://schemas.microsoft.com/office/powerpoint/2010/main" val="1523744318"/>
+        <p14:creationId xmlns:p14="http://schemas.microsoft.com/office/powerpoint/2010/main" val="4001575371"/>
       </p:ext>
     </p:extLst>
   </p:cSld>
@@ -835,7 +852,7 @@
               <a:rPr lang="en-US" smtClean="0"/>
               <a:t>Click to edit Master title style</a:t>
             </a:r>
-            <a:endParaRPr lang="en-US"/>
+            <a:endParaRPr lang="en-US" dirty="0"/>
           </a:p>
         </p:txBody>
       </p:sp>
@@ -887,7 +904,7 @@
               <a:rPr lang="en-US" smtClean="0"/>
               <a:t>Fifth level</a:t>
             </a:r>
-            <a:endParaRPr lang="en-US"/>
+            <a:endParaRPr lang="en-US" dirty="0"/>
           </a:p>
         </p:txBody>
       </p:sp>
@@ -908,7 +925,7 @@
           <a:p>
             <a:fld id="{27C78BFA-AE4B-4240-94B5-3BA327B38241}" type="datetimeFigureOut">
               <a:rPr lang="en-US" smtClean="0"/>
-              <a:t>3/2/17</a:t>
+              <a:t>3/2/2017</a:t>
             </a:fld>
             <a:endParaRPr lang="en-US"/>
           </a:p>
@@ -959,7 +976,7 @@
     </p:spTree>
     <p:extLst>
       <p:ext uri="{BB962C8B-B14F-4D97-AF65-F5344CB8AC3E}">
-        <p14:creationId xmlns:p14="http://schemas.microsoft.com/office/powerpoint/2010/main" val="3347853950"/>
+        <p14:creationId xmlns:p14="http://schemas.microsoft.com/office/powerpoint/2010/main" val="3410292198"/>
       </p:ext>
     </p:extLst>
   </p:cSld>
@@ -998,8 +1015,8 @@
         </p:nvSpPr>
         <p:spPr>
           <a:xfrm>
-            <a:off x="8724901" y="365125"/>
-            <a:ext cx="2628900" cy="5811838"/>
+            <a:off x="6543675" y="365125"/>
+            <a:ext cx="1971675" cy="5811838"/>
           </a:xfrm>
         </p:spPr>
         <p:txBody>
@@ -1010,7 +1027,7 @@
               <a:rPr lang="en-US" smtClean="0"/>
               <a:t>Click to edit Master title style</a:t>
             </a:r>
-            <a:endParaRPr lang="en-US"/>
+            <a:endParaRPr lang="en-US" dirty="0"/>
           </a:p>
         </p:txBody>
       </p:sp>
@@ -1026,8 +1043,8 @@
         </p:nvSpPr>
         <p:spPr>
           <a:xfrm>
-            <a:off x="838201" y="365125"/>
-            <a:ext cx="7734300" cy="5811838"/>
+            <a:off x="628650" y="365125"/>
+            <a:ext cx="5800725" cy="5811838"/>
           </a:xfrm>
         </p:spPr>
         <p:txBody>
@@ -1067,7 +1084,7 @@
               <a:rPr lang="en-US" smtClean="0"/>
               <a:t>Fifth level</a:t>
             </a:r>
-            <a:endParaRPr lang="en-US"/>
+            <a:endParaRPr lang="en-US" dirty="0"/>
           </a:p>
         </p:txBody>
       </p:sp>
@@ -1088,7 +1105,7 @@
           <a:p>
             <a:fld id="{27C78BFA-AE4B-4240-94B5-3BA327B38241}" type="datetimeFigureOut">
               <a:rPr lang="en-US" smtClean="0"/>
-              <a:t>3/2/17</a:t>
+              <a:t>3/2/2017</a:t>
             </a:fld>
             <a:endParaRPr lang="en-US"/>
           </a:p>
@@ -1139,7 +1156,7 @@
     </p:spTree>
     <p:extLst>
       <p:ext uri="{BB962C8B-B14F-4D97-AF65-F5344CB8AC3E}">
-        <p14:creationId xmlns:p14="http://schemas.microsoft.com/office/powerpoint/2010/main" val="2600940470"/>
+        <p14:creationId xmlns:p14="http://schemas.microsoft.com/office/powerpoint/2010/main" val="3089475311"/>
       </p:ext>
     </p:extLst>
   </p:cSld>
@@ -1185,7 +1202,7 @@
               <a:rPr lang="en-US" smtClean="0"/>
               <a:t>Click to edit Master title style</a:t>
             </a:r>
-            <a:endParaRPr lang="en-US"/>
+            <a:endParaRPr lang="en-US" dirty="0"/>
           </a:p>
         </p:txBody>
       </p:sp>
@@ -1237,7 +1254,7 @@
               <a:rPr lang="en-US" smtClean="0"/>
               <a:t>Fifth level</a:t>
             </a:r>
-            <a:endParaRPr lang="en-US"/>
+            <a:endParaRPr lang="en-US" dirty="0"/>
           </a:p>
         </p:txBody>
       </p:sp>
@@ -1258,7 +1275,7 @@
           <a:p>
             <a:fld id="{27C78BFA-AE4B-4240-94B5-3BA327B38241}" type="datetimeFigureOut">
               <a:rPr lang="en-US" smtClean="0"/>
-              <a:t>3/2/17</a:t>
+              <a:t>3/2/2017</a:t>
             </a:fld>
             <a:endParaRPr lang="en-US"/>
           </a:p>
@@ -1309,7 +1326,7 @@
     </p:spTree>
     <p:extLst>
       <p:ext uri="{BB962C8B-B14F-4D97-AF65-F5344CB8AC3E}">
-        <p14:creationId xmlns:p14="http://schemas.microsoft.com/office/powerpoint/2010/main" val="375643253"/>
+        <p14:creationId xmlns:p14="http://schemas.microsoft.com/office/powerpoint/2010/main" val="3757839873"/>
       </p:ext>
     </p:extLst>
   </p:cSld>
@@ -1348,8 +1365,8 @@
         </p:nvSpPr>
         <p:spPr>
           <a:xfrm>
-            <a:off x="831851" y="1709740"/>
-            <a:ext cx="10515600" cy="2852737"/>
+            <a:off x="623888" y="1709739"/>
+            <a:ext cx="7886700" cy="2852737"/>
           </a:xfrm>
         </p:spPr>
         <p:txBody>
@@ -1364,7 +1381,7 @@
               <a:rPr lang="en-US" smtClean="0"/>
               <a:t>Click to edit Master title style</a:t>
             </a:r>
-            <a:endParaRPr lang="en-US"/>
+            <a:endParaRPr lang="en-US" dirty="0"/>
           </a:p>
         </p:txBody>
       </p:sp>
@@ -1380,8 +1397,8 @@
         </p:nvSpPr>
         <p:spPr>
           <a:xfrm>
-            <a:off x="831851" y="4589465"/>
-            <a:ext cx="10515600" cy="1500187"/>
+            <a:off x="623888" y="4589464"/>
+            <a:ext cx="7886700" cy="1500187"/>
           </a:xfrm>
         </p:spPr>
         <p:txBody>
@@ -1391,9 +1408,7 @@
               <a:buNone/>
               <a:defRPr sz="2400">
                 <a:solidFill>
-                  <a:schemeClr val="tx1">
-                    <a:tint val="75000"/>
-                  </a:schemeClr>
+                  <a:schemeClr val="tx1"/>
                 </a:solidFill>
               </a:defRPr>
             </a:lvl1pPr>
@@ -1504,7 +1519,7 @@
           <a:p>
             <a:fld id="{27C78BFA-AE4B-4240-94B5-3BA327B38241}" type="datetimeFigureOut">
               <a:rPr lang="en-US" smtClean="0"/>
-              <a:t>3/2/17</a:t>
+              <a:t>3/2/2017</a:t>
             </a:fld>
             <a:endParaRPr lang="en-US"/>
           </a:p>
@@ -1555,7 +1570,7 @@
     </p:spTree>
     <p:extLst>
       <p:ext uri="{BB962C8B-B14F-4D97-AF65-F5344CB8AC3E}">
-        <p14:creationId xmlns:p14="http://schemas.microsoft.com/office/powerpoint/2010/main" val="2276158681"/>
+        <p14:creationId xmlns:p14="http://schemas.microsoft.com/office/powerpoint/2010/main" val="3339557473"/>
       </p:ext>
     </p:extLst>
   </p:cSld>
@@ -1601,7 +1616,7 @@
               <a:rPr lang="en-US" smtClean="0"/>
               <a:t>Click to edit Master title style</a:t>
             </a:r>
-            <a:endParaRPr lang="en-US"/>
+            <a:endParaRPr lang="en-US" dirty="0"/>
           </a:p>
         </p:txBody>
       </p:sp>
@@ -1617,8 +1632,8 @@
         </p:nvSpPr>
         <p:spPr>
           <a:xfrm>
-            <a:off x="838200" y="1825625"/>
-            <a:ext cx="5181600" cy="4351338"/>
+            <a:off x="628650" y="1825625"/>
+            <a:ext cx="3886200" cy="4351338"/>
           </a:xfrm>
         </p:spPr>
         <p:txBody>
@@ -1658,7 +1673,7 @@
               <a:rPr lang="en-US" smtClean="0"/>
               <a:t>Fifth level</a:t>
             </a:r>
-            <a:endParaRPr lang="en-US"/>
+            <a:endParaRPr lang="en-US" dirty="0"/>
           </a:p>
         </p:txBody>
       </p:sp>
@@ -1674,8 +1689,8 @@
         </p:nvSpPr>
         <p:spPr>
           <a:xfrm>
-            <a:off x="6172200" y="1825625"/>
-            <a:ext cx="5181600" cy="4351338"/>
+            <a:off x="4629150" y="1825625"/>
+            <a:ext cx="3886200" cy="4351338"/>
           </a:xfrm>
         </p:spPr>
         <p:txBody>
@@ -1715,7 +1730,7 @@
               <a:rPr lang="en-US" smtClean="0"/>
               <a:t>Fifth level</a:t>
             </a:r>
-            <a:endParaRPr lang="en-US"/>
+            <a:endParaRPr lang="en-US" dirty="0"/>
           </a:p>
         </p:txBody>
       </p:sp>
@@ -1736,7 +1751,7 @@
           <a:p>
             <a:fld id="{27C78BFA-AE4B-4240-94B5-3BA327B38241}" type="datetimeFigureOut">
               <a:rPr lang="en-US" smtClean="0"/>
-              <a:t>3/2/17</a:t>
+              <a:t>3/2/2017</a:t>
             </a:fld>
             <a:endParaRPr lang="en-US"/>
           </a:p>
@@ -1787,7 +1802,7 @@
     </p:spTree>
     <p:extLst>
       <p:ext uri="{BB962C8B-B14F-4D97-AF65-F5344CB8AC3E}">
-        <p14:creationId xmlns:p14="http://schemas.microsoft.com/office/powerpoint/2010/main" val="1864965854"/>
+        <p14:creationId xmlns:p14="http://schemas.microsoft.com/office/powerpoint/2010/main" val="202265409"/>
       </p:ext>
     </p:extLst>
   </p:cSld>
@@ -1826,8 +1841,8 @@
         </p:nvSpPr>
         <p:spPr>
           <a:xfrm>
-            <a:off x="839788" y="365127"/>
-            <a:ext cx="10515600" cy="1325563"/>
+            <a:off x="629841" y="365126"/>
+            <a:ext cx="7886700" cy="1325563"/>
           </a:xfrm>
         </p:spPr>
         <p:txBody>
@@ -1838,7 +1853,7 @@
               <a:rPr lang="en-US" smtClean="0"/>
               <a:t>Click to edit Master title style</a:t>
             </a:r>
-            <a:endParaRPr lang="en-US"/>
+            <a:endParaRPr lang="en-US" dirty="0"/>
           </a:p>
         </p:txBody>
       </p:sp>
@@ -1854,8 +1869,8 @@
         </p:nvSpPr>
         <p:spPr>
           <a:xfrm>
-            <a:off x="839789" y="1681163"/>
-            <a:ext cx="5157787" cy="823912"/>
+            <a:off x="629842" y="1681163"/>
+            <a:ext cx="3868340" cy="823912"/>
           </a:xfrm>
         </p:spPr>
         <p:txBody>
@@ -1919,8 +1934,8 @@
         </p:nvSpPr>
         <p:spPr>
           <a:xfrm>
-            <a:off x="839789" y="2505075"/>
-            <a:ext cx="5157787" cy="3684588"/>
+            <a:off x="629842" y="2505075"/>
+            <a:ext cx="3868340" cy="3684588"/>
           </a:xfrm>
         </p:spPr>
         <p:txBody>
@@ -1960,7 +1975,7 @@
               <a:rPr lang="en-US" smtClean="0"/>
               <a:t>Fifth level</a:t>
             </a:r>
-            <a:endParaRPr lang="en-US"/>
+            <a:endParaRPr lang="en-US" dirty="0"/>
           </a:p>
         </p:txBody>
       </p:sp>
@@ -1976,8 +1991,8 @@
         </p:nvSpPr>
         <p:spPr>
           <a:xfrm>
-            <a:off x="6172201" y="1681163"/>
-            <a:ext cx="5183188" cy="823912"/>
+            <a:off x="4629150" y="1681163"/>
+            <a:ext cx="3887391" cy="823912"/>
           </a:xfrm>
         </p:spPr>
         <p:txBody>
@@ -2041,8 +2056,8 @@
         </p:nvSpPr>
         <p:spPr>
           <a:xfrm>
-            <a:off x="6172201" y="2505075"/>
-            <a:ext cx="5183188" cy="3684588"/>
+            <a:off x="4629150" y="2505075"/>
+            <a:ext cx="3887391" cy="3684588"/>
           </a:xfrm>
         </p:spPr>
         <p:txBody>
@@ -2082,7 +2097,7 @@
               <a:rPr lang="en-US" smtClean="0"/>
               <a:t>Fifth level</a:t>
             </a:r>
-            <a:endParaRPr lang="en-US"/>
+            <a:endParaRPr lang="en-US" dirty="0"/>
           </a:p>
         </p:txBody>
       </p:sp>
@@ -2103,7 +2118,7 @@
           <a:p>
             <a:fld id="{27C78BFA-AE4B-4240-94B5-3BA327B38241}" type="datetimeFigureOut">
               <a:rPr lang="en-US" smtClean="0"/>
-              <a:t>3/2/17</a:t>
+              <a:t>3/2/2017</a:t>
             </a:fld>
             <a:endParaRPr lang="en-US"/>
           </a:p>
@@ -2154,7 +2169,7 @@
     </p:spTree>
     <p:extLst>
       <p:ext uri="{BB962C8B-B14F-4D97-AF65-F5344CB8AC3E}">
-        <p14:creationId xmlns:p14="http://schemas.microsoft.com/office/powerpoint/2010/main" val="3145302418"/>
+        <p14:creationId xmlns:p14="http://schemas.microsoft.com/office/powerpoint/2010/main" val="834949940"/>
       </p:ext>
     </p:extLst>
   </p:cSld>
@@ -2200,7 +2215,7 @@
               <a:rPr lang="en-US" smtClean="0"/>
               <a:t>Click to edit Master title style</a:t>
             </a:r>
-            <a:endParaRPr lang="en-US"/>
+            <a:endParaRPr lang="en-US" dirty="0"/>
           </a:p>
         </p:txBody>
       </p:sp>
@@ -2221,7 +2236,7 @@
           <a:p>
             <a:fld id="{27C78BFA-AE4B-4240-94B5-3BA327B38241}" type="datetimeFigureOut">
               <a:rPr lang="en-US" smtClean="0"/>
-              <a:t>3/2/17</a:t>
+              <a:t>3/2/2017</a:t>
             </a:fld>
             <a:endParaRPr lang="en-US"/>
           </a:p>
@@ -2272,7 +2287,7 @@
     </p:spTree>
     <p:extLst>
       <p:ext uri="{BB962C8B-B14F-4D97-AF65-F5344CB8AC3E}">
-        <p14:creationId xmlns:p14="http://schemas.microsoft.com/office/powerpoint/2010/main" val="1582086745"/>
+        <p14:creationId xmlns:p14="http://schemas.microsoft.com/office/powerpoint/2010/main" val="1035217980"/>
       </p:ext>
     </p:extLst>
   </p:cSld>
@@ -2316,7 +2331,7 @@
           <a:p>
             <a:fld id="{27C78BFA-AE4B-4240-94B5-3BA327B38241}" type="datetimeFigureOut">
               <a:rPr lang="en-US" smtClean="0"/>
-              <a:t>3/2/17</a:t>
+              <a:t>3/2/2017</a:t>
             </a:fld>
             <a:endParaRPr lang="en-US"/>
           </a:p>
@@ -2367,7 +2382,7 @@
     </p:spTree>
     <p:extLst>
       <p:ext uri="{BB962C8B-B14F-4D97-AF65-F5344CB8AC3E}">
-        <p14:creationId xmlns:p14="http://schemas.microsoft.com/office/powerpoint/2010/main" val="489114014"/>
+        <p14:creationId xmlns:p14="http://schemas.microsoft.com/office/powerpoint/2010/main" val="3909325008"/>
       </p:ext>
     </p:extLst>
   </p:cSld>
@@ -2406,8 +2421,8 @@
         </p:nvSpPr>
         <p:spPr>
           <a:xfrm>
-            <a:off x="839788" y="457200"/>
-            <a:ext cx="3932237" cy="1600200"/>
+            <a:off x="629841" y="457200"/>
+            <a:ext cx="2949178" cy="1600200"/>
           </a:xfrm>
         </p:spPr>
         <p:txBody>
@@ -2422,7 +2437,7 @@
               <a:rPr lang="en-US" smtClean="0"/>
               <a:t>Click to edit Master title style</a:t>
             </a:r>
-            <a:endParaRPr lang="en-US"/>
+            <a:endParaRPr lang="en-US" dirty="0"/>
           </a:p>
         </p:txBody>
       </p:sp>
@@ -2438,8 +2453,8 @@
         </p:nvSpPr>
         <p:spPr>
           <a:xfrm>
-            <a:off x="5183188" y="987427"/>
-            <a:ext cx="6172200" cy="4873625"/>
+            <a:off x="3887391" y="987426"/>
+            <a:ext cx="4629150" cy="4873625"/>
           </a:xfrm>
         </p:spPr>
         <p:txBody>
@@ -2507,7 +2522,7 @@
               <a:rPr lang="en-US" smtClean="0"/>
               <a:t>Fifth level</a:t>
             </a:r>
-            <a:endParaRPr lang="en-US"/>
+            <a:endParaRPr lang="en-US" dirty="0"/>
           </a:p>
         </p:txBody>
       </p:sp>
@@ -2523,8 +2538,8 @@
         </p:nvSpPr>
         <p:spPr>
           <a:xfrm>
-            <a:off x="839788" y="2057400"/>
-            <a:ext cx="3932237" cy="3811588"/>
+            <a:off x="629841" y="2057400"/>
+            <a:ext cx="2949178" cy="3811588"/>
           </a:xfrm>
         </p:spPr>
         <p:txBody>
@@ -2593,7 +2608,7 @@
           <a:p>
             <a:fld id="{27C78BFA-AE4B-4240-94B5-3BA327B38241}" type="datetimeFigureOut">
               <a:rPr lang="en-US" smtClean="0"/>
-              <a:t>3/2/17</a:t>
+              <a:t>3/2/2017</a:t>
             </a:fld>
             <a:endParaRPr lang="en-US"/>
           </a:p>
@@ -2644,7 +2659,7 @@
     </p:spTree>
     <p:extLst>
       <p:ext uri="{BB962C8B-B14F-4D97-AF65-F5344CB8AC3E}">
-        <p14:creationId xmlns:p14="http://schemas.microsoft.com/office/powerpoint/2010/main" val="2226388783"/>
+        <p14:creationId xmlns:p14="http://schemas.microsoft.com/office/powerpoint/2010/main" val="4012906326"/>
       </p:ext>
     </p:extLst>
   </p:cSld>
@@ -2683,8 +2698,8 @@
         </p:nvSpPr>
         <p:spPr>
           <a:xfrm>
-            <a:off x="839788" y="457200"/>
-            <a:ext cx="3932237" cy="1600200"/>
+            <a:off x="629841" y="457200"/>
+            <a:ext cx="2949178" cy="1600200"/>
           </a:xfrm>
         </p:spPr>
         <p:txBody>
@@ -2699,7 +2714,7 @@
               <a:rPr lang="en-US" smtClean="0"/>
               <a:t>Click to edit Master title style</a:t>
             </a:r>
-            <a:endParaRPr lang="en-US"/>
+            <a:endParaRPr lang="en-US" dirty="0"/>
           </a:p>
         </p:txBody>
       </p:sp>
@@ -2707,7 +2722,7 @@
         <p:nvSpPr>
           <p:cNvPr id="3" name="Picture Placeholder 2"/>
           <p:cNvSpPr>
-            <a:spLocks noGrp="1"/>
+            <a:spLocks noGrp="1" noChangeAspect="1"/>
           </p:cNvSpPr>
           <p:nvPr>
             <p:ph type="pic" idx="1"/>
@@ -2715,8 +2730,73 @@
         </p:nvSpPr>
         <p:spPr>
           <a:xfrm>
-            <a:off x="5183188" y="987427"/>
-            <a:ext cx="6172200" cy="4873625"/>
+            <a:off x="3887391" y="987426"/>
+            <a:ext cx="4629150" cy="4873625"/>
+          </a:xfrm>
+        </p:spPr>
+        <p:txBody>
+          <a:bodyPr anchor="t"/>
+          <a:lstStyle>
+            <a:lvl1pPr marL="0" indent="0">
+              <a:buNone/>
+              <a:defRPr sz="3200"/>
+            </a:lvl1pPr>
+            <a:lvl2pPr marL="457200" indent="0">
+              <a:buNone/>
+              <a:defRPr sz="2800"/>
+            </a:lvl2pPr>
+            <a:lvl3pPr marL="914400" indent="0">
+              <a:buNone/>
+              <a:defRPr sz="2400"/>
+            </a:lvl3pPr>
+            <a:lvl4pPr marL="1371600" indent="0">
+              <a:buNone/>
+              <a:defRPr sz="2000"/>
+            </a:lvl4pPr>
+            <a:lvl5pPr marL="1828800" indent="0">
+              <a:buNone/>
+              <a:defRPr sz="2000"/>
+            </a:lvl5pPr>
+            <a:lvl6pPr marL="2286000" indent="0">
+              <a:buNone/>
+              <a:defRPr sz="2000"/>
+            </a:lvl6pPr>
+            <a:lvl7pPr marL="2743200" indent="0">
+              <a:buNone/>
+              <a:defRPr sz="2000"/>
+            </a:lvl7pPr>
+            <a:lvl8pPr marL="3200400" indent="0">
+              <a:buNone/>
+              <a:defRPr sz="2000"/>
+            </a:lvl8pPr>
+            <a:lvl9pPr marL="3657600" indent="0">
+              <a:buNone/>
+              <a:defRPr sz="2000"/>
+            </a:lvl9pPr>
+          </a:lstStyle>
+          <a:p>
+            <a:r>
+              <a:rPr lang="en-US" smtClean="0"/>
+              <a:t>Click icon to add picture</a:t>
+            </a:r>
+            <a:endParaRPr lang="en-US" dirty="0"/>
+          </a:p>
+        </p:txBody>
+      </p:sp>
+      <p:sp>
+        <p:nvSpPr>
+          <p:cNvPr id="4" name="Text Placeholder 3"/>
+          <p:cNvSpPr>
+            <a:spLocks noGrp="1"/>
+          </p:cNvSpPr>
+          <p:nvPr>
+            <p:ph type="body" sz="half" idx="2"/>
+          </p:nvPr>
+        </p:nvSpPr>
+        <p:spPr>
+          <a:xfrm>
+            <a:off x="629841" y="2057400"/>
+            <a:ext cx="2949178" cy="3811588"/>
           </a:xfrm>
         </p:spPr>
         <p:txBody>
@@ -2724,67 +2804,6 @@
           <a:lstStyle>
             <a:lvl1pPr marL="0" indent="0">
               <a:buNone/>
-              <a:defRPr sz="3200"/>
-            </a:lvl1pPr>
-            <a:lvl2pPr marL="457200" indent="0">
-              <a:buNone/>
-              <a:defRPr sz="2800"/>
-            </a:lvl2pPr>
-            <a:lvl3pPr marL="914400" indent="0">
-              <a:buNone/>
-              <a:defRPr sz="2400"/>
-            </a:lvl3pPr>
-            <a:lvl4pPr marL="1371600" indent="0">
-              <a:buNone/>
-              <a:defRPr sz="2000"/>
-            </a:lvl4pPr>
-            <a:lvl5pPr marL="1828800" indent="0">
-              <a:buNone/>
-              <a:defRPr sz="2000"/>
-            </a:lvl5pPr>
-            <a:lvl6pPr marL="2286000" indent="0">
-              <a:buNone/>
-              <a:defRPr sz="2000"/>
-            </a:lvl6pPr>
-            <a:lvl7pPr marL="2743200" indent="0">
-              <a:buNone/>
-              <a:defRPr sz="2000"/>
-            </a:lvl7pPr>
-            <a:lvl8pPr marL="3200400" indent="0">
-              <a:buNone/>
-              <a:defRPr sz="2000"/>
-            </a:lvl8pPr>
-            <a:lvl9pPr marL="3657600" indent="0">
-              <a:buNone/>
-              <a:defRPr sz="2000"/>
-            </a:lvl9pPr>
-          </a:lstStyle>
-          <a:p>
-            <a:endParaRPr lang="en-US"/>
-          </a:p>
-        </p:txBody>
-      </p:sp>
-      <p:sp>
-        <p:nvSpPr>
-          <p:cNvPr id="4" name="Text Placeholder 3"/>
-          <p:cNvSpPr>
-            <a:spLocks noGrp="1"/>
-          </p:cNvSpPr>
-          <p:nvPr>
-            <p:ph type="body" sz="half" idx="2"/>
-          </p:nvPr>
-        </p:nvSpPr>
-        <p:spPr>
-          <a:xfrm>
-            <a:off x="839788" y="2057400"/>
-            <a:ext cx="3932237" cy="3811588"/>
-          </a:xfrm>
-        </p:spPr>
-        <p:txBody>
-          <a:bodyPr/>
-          <a:lstStyle>
-            <a:lvl1pPr marL="0" indent="0">
-              <a:buNone/>
               <a:defRPr sz="1600"/>
             </a:lvl1pPr>
             <a:lvl2pPr marL="457200" indent="0">
@@ -2846,7 +2865,7 @@
           <a:p>
             <a:fld id="{27C78BFA-AE4B-4240-94B5-3BA327B38241}" type="datetimeFigureOut">
               <a:rPr lang="en-US" smtClean="0"/>
-              <a:t>3/2/17</a:t>
+              <a:t>3/2/2017</a:t>
             </a:fld>
             <a:endParaRPr lang="en-US"/>
           </a:p>
@@ -2897,7 +2916,7 @@
     </p:spTree>
     <p:extLst>
       <p:ext uri="{BB962C8B-B14F-4D97-AF65-F5344CB8AC3E}">
-        <p14:creationId xmlns:p14="http://schemas.microsoft.com/office/powerpoint/2010/main" val="631583961"/>
+        <p14:creationId xmlns:p14="http://schemas.microsoft.com/office/powerpoint/2010/main" val="1115776670"/>
       </p:ext>
     </p:extLst>
   </p:cSld>
@@ -2941,8 +2960,8 @@
         </p:nvSpPr>
         <p:spPr>
           <a:xfrm>
-            <a:off x="838200" y="365127"/>
-            <a:ext cx="10515600" cy="1325563"/>
+            <a:off x="628650" y="365126"/>
+            <a:ext cx="7886700" cy="1325563"/>
           </a:xfrm>
           <a:prstGeom prst="rect">
             <a:avLst/>
@@ -2958,7 +2977,7 @@
               <a:rPr lang="en-US" smtClean="0"/>
               <a:t>Click to edit Master title style</a:t>
             </a:r>
-            <a:endParaRPr lang="en-US"/>
+            <a:endParaRPr lang="en-US" dirty="0"/>
           </a:p>
         </p:txBody>
       </p:sp>
@@ -2974,8 +2993,8 @@
         </p:nvSpPr>
         <p:spPr>
           <a:xfrm>
-            <a:off x="838200" y="1825625"/>
-            <a:ext cx="10515600" cy="4351338"/>
+            <a:off x="628650" y="1825625"/>
+            <a:ext cx="7886700" cy="4351338"/>
           </a:xfrm>
           <a:prstGeom prst="rect">
             <a:avLst/>
@@ -3020,7 +3039,7 @@
               <a:rPr lang="en-US" smtClean="0"/>
               <a:t>Fifth level</a:t>
             </a:r>
-            <a:endParaRPr lang="en-US"/>
+            <a:endParaRPr lang="en-US" dirty="0"/>
           </a:p>
         </p:txBody>
       </p:sp>
@@ -3036,8 +3055,8 @@
         </p:nvSpPr>
         <p:spPr>
           <a:xfrm>
-            <a:off x="838200" y="6356352"/>
-            <a:ext cx="2743200" cy="365125"/>
+            <a:off x="628650" y="6356351"/>
+            <a:ext cx="2057400" cy="365125"/>
           </a:xfrm>
           <a:prstGeom prst="rect">
             <a:avLst/>
@@ -3059,7 +3078,7 @@
           <a:p>
             <a:fld id="{27C78BFA-AE4B-4240-94B5-3BA327B38241}" type="datetimeFigureOut">
               <a:rPr lang="en-US" smtClean="0"/>
-              <a:t>3/2/17</a:t>
+              <a:t>3/2/2017</a:t>
             </a:fld>
             <a:endParaRPr lang="en-US"/>
           </a:p>
@@ -3077,8 +3096,8 @@
         </p:nvSpPr>
         <p:spPr>
           <a:xfrm>
-            <a:off x="4038600" y="6356352"/>
-            <a:ext cx="4114800" cy="365125"/>
+            <a:off x="3028950" y="6356351"/>
+            <a:ext cx="3086100" cy="365125"/>
           </a:xfrm>
           <a:prstGeom prst="rect">
             <a:avLst/>
@@ -3114,8 +3133,8 @@
         </p:nvSpPr>
         <p:spPr>
           <a:xfrm>
-            <a:off x="8610600" y="6356352"/>
-            <a:ext cx="2743200" cy="365125"/>
+            <a:off x="6457950" y="6356351"/>
+            <a:ext cx="2057400" cy="365125"/>
           </a:xfrm>
           <a:prstGeom prst="rect">
             <a:avLst/>
@@ -3146,23 +3165,23 @@
     </p:spTree>
     <p:extLst>
       <p:ext uri="{BB962C8B-B14F-4D97-AF65-F5344CB8AC3E}">
-        <p14:creationId xmlns:p14="http://schemas.microsoft.com/office/powerpoint/2010/main" val="73667897"/>
+        <p14:creationId xmlns:p14="http://schemas.microsoft.com/office/powerpoint/2010/main" val="3289089751"/>
       </p:ext>
     </p:extLst>
   </p:cSld>
   <p:clrMap bg1="lt1" tx1="dk1" bg2="lt2" tx2="dk2" accent1="accent1" accent2="accent2" accent3="accent3" accent4="accent4" accent5="accent5" accent6="accent6" hlink="hlink" folHlink="folHlink"/>
   <p:sldLayoutIdLst>
-    <p:sldLayoutId id="2147483649" r:id="rId1"/>
-    <p:sldLayoutId id="2147483650" r:id="rId2"/>
-    <p:sldLayoutId id="2147483651" r:id="rId3"/>
-    <p:sldLayoutId id="2147483652" r:id="rId4"/>
-    <p:sldLayoutId id="2147483653" r:id="rId5"/>
-    <p:sldLayoutId id="2147483654" r:id="rId6"/>
-    <p:sldLayoutId id="2147483655" r:id="rId7"/>
-    <p:sldLayoutId id="2147483656" r:id="rId8"/>
-    <p:sldLayoutId id="2147483657" r:id="rId9"/>
-    <p:sldLayoutId id="2147483658" r:id="rId10"/>
-    <p:sldLayoutId id="2147483659" r:id="rId11"/>
+    <p:sldLayoutId id="2147483685" r:id="rId1"/>
+    <p:sldLayoutId id="2147483686" r:id="rId2"/>
+    <p:sldLayoutId id="2147483687" r:id="rId3"/>
+    <p:sldLayoutId id="2147483688" r:id="rId4"/>
+    <p:sldLayoutId id="2147483689" r:id="rId5"/>
+    <p:sldLayoutId id="2147483690" r:id="rId6"/>
+    <p:sldLayoutId id="2147483691" r:id="rId7"/>
+    <p:sldLayoutId id="2147483692" r:id="rId8"/>
+    <p:sldLayoutId id="2147483693" r:id="rId9"/>
+    <p:sldLayoutId id="2147483694" r:id="rId10"/>
+    <p:sldLayoutId id="2147483695" r:id="rId11"/>
   </p:sldLayoutIdLst>
   <p:txStyles>
     <p:titleStyle>
@@ -3515,10 +3534,328 @@
   <p:timing>
     <p:tnLst>
       <p:par>
-        <p:cTn xmlns:p14="http://schemas.microsoft.com/office/powerpoint/2010/main" id="1" dur="indefinite" restart="never" nodeType="tmRoot"/>
+        <p:cTn id="1" dur="indefinite" restart="never" nodeType="tmRoot"/>
       </p:par>
     </p:tnLst>
   </p:timing>
+</p:sld>
+</file>
+
+<file path=ppt/slides/slide10.xml><?xml version="1.0" encoding="utf-8"?>
+<p:sld xmlns:a="http://schemas.openxmlformats.org/drawingml/2006/main" xmlns:r="http://schemas.openxmlformats.org/officeDocument/2006/relationships" xmlns:p="http://schemas.openxmlformats.org/presentationml/2006/main">
+  <p:cSld>
+    <p:spTree>
+      <p:nvGrpSpPr>
+        <p:cNvPr id="1" name=""/>
+        <p:cNvGrpSpPr/>
+        <p:nvPr/>
+      </p:nvGrpSpPr>
+      <p:grpSpPr>
+        <a:xfrm>
+          <a:off x="0" y="0"/>
+          <a:ext cx="0" cy="0"/>
+          <a:chOff x="0" y="0"/>
+          <a:chExt cx="0" cy="0"/>
+        </a:xfrm>
+      </p:grpSpPr>
+      <p:pic>
+        <p:nvPicPr>
+          <p:cNvPr id="2" name="Picture 1"/>
+          <p:cNvPicPr>
+            <a:picLocks noChangeAspect="1"/>
+          </p:cNvPicPr>
+          <p:nvPr/>
+        </p:nvPicPr>
+        <p:blipFill>
+          <a:blip r:embed="rId2" cstate="print">
+            <a:extLst>
+              <a:ext uri="{28A0092B-C50C-407E-A947-70E740481C1C}">
+                <a14:useLocalDpi xmlns:a14="http://schemas.microsoft.com/office/drawing/2010/main" val="0"/>
+              </a:ext>
+            </a:extLst>
+          </a:blip>
+          <a:stretch>
+            <a:fillRect/>
+          </a:stretch>
+        </p:blipFill>
+        <p:spPr>
+          <a:xfrm>
+            <a:off x="970844" y="349956"/>
+            <a:ext cx="3657600" cy="2743200"/>
+          </a:xfrm>
+          <a:prstGeom prst="rect">
+            <a:avLst/>
+          </a:prstGeom>
+        </p:spPr>
+      </p:pic>
+      <p:pic>
+        <p:nvPicPr>
+          <p:cNvPr id="3" name="Picture 2"/>
+          <p:cNvPicPr>
+            <a:picLocks noChangeAspect="1"/>
+          </p:cNvPicPr>
+          <p:nvPr/>
+        </p:nvPicPr>
+        <p:blipFill>
+          <a:blip r:embed="rId3" cstate="print">
+            <a:extLst>
+              <a:ext uri="{28A0092B-C50C-407E-A947-70E740481C1C}">
+                <a14:useLocalDpi xmlns:a14="http://schemas.microsoft.com/office/drawing/2010/main" val="0"/>
+              </a:ext>
+            </a:extLst>
+          </a:blip>
+          <a:stretch>
+            <a:fillRect/>
+          </a:stretch>
+        </p:blipFill>
+        <p:spPr>
+          <a:xfrm>
+            <a:off x="4628444" y="349956"/>
+            <a:ext cx="3657600" cy="2743200"/>
+          </a:xfrm>
+          <a:prstGeom prst="rect">
+            <a:avLst/>
+          </a:prstGeom>
+        </p:spPr>
+      </p:pic>
+      <p:pic>
+        <p:nvPicPr>
+          <p:cNvPr id="4" name="Picture 3"/>
+          <p:cNvPicPr>
+            <a:picLocks noChangeAspect="1"/>
+          </p:cNvPicPr>
+          <p:nvPr/>
+        </p:nvPicPr>
+        <p:blipFill>
+          <a:blip r:embed="rId4" cstate="print">
+            <a:extLst>
+              <a:ext uri="{28A0092B-C50C-407E-A947-70E740481C1C}">
+                <a14:useLocalDpi xmlns:a14="http://schemas.microsoft.com/office/drawing/2010/main" val="0"/>
+              </a:ext>
+            </a:extLst>
+          </a:blip>
+          <a:stretch>
+            <a:fillRect/>
+          </a:stretch>
+        </p:blipFill>
+        <p:spPr>
+          <a:xfrm>
+            <a:off x="970844" y="3635022"/>
+            <a:ext cx="3657600" cy="2743200"/>
+          </a:xfrm>
+          <a:prstGeom prst="rect">
+            <a:avLst/>
+          </a:prstGeom>
+        </p:spPr>
+      </p:pic>
+      <p:pic>
+        <p:nvPicPr>
+          <p:cNvPr id="5" name="Picture 4"/>
+          <p:cNvPicPr>
+            <a:picLocks noChangeAspect="1"/>
+          </p:cNvPicPr>
+          <p:nvPr/>
+        </p:nvPicPr>
+        <p:blipFill>
+          <a:blip r:embed="rId5" cstate="print">
+            <a:extLst>
+              <a:ext uri="{28A0092B-C50C-407E-A947-70E740481C1C}">
+                <a14:useLocalDpi xmlns:a14="http://schemas.microsoft.com/office/drawing/2010/main" val="0"/>
+              </a:ext>
+            </a:extLst>
+          </a:blip>
+          <a:stretch>
+            <a:fillRect/>
+          </a:stretch>
+        </p:blipFill>
+        <p:spPr>
+          <a:xfrm>
+            <a:off x="4628444" y="3635022"/>
+            <a:ext cx="3657600" cy="2743200"/>
+          </a:xfrm>
+          <a:prstGeom prst="rect">
+            <a:avLst/>
+          </a:prstGeom>
+        </p:spPr>
+      </p:pic>
+      <p:sp>
+        <p:nvSpPr>
+          <p:cNvPr id="6" name="TextBox 5"/>
+          <p:cNvSpPr txBox="1"/>
+          <p:nvPr/>
+        </p:nvSpPr>
+        <p:spPr>
+          <a:xfrm>
+            <a:off x="2006158" y="3093156"/>
+            <a:ext cx="1586973" cy="369332"/>
+          </a:xfrm>
+          <a:prstGeom prst="rect">
+            <a:avLst/>
+          </a:prstGeom>
+          <a:noFill/>
+        </p:spPr>
+        <p:txBody>
+          <a:bodyPr wrap="none" rtlCol="0">
+            <a:spAutoFit/>
+          </a:bodyPr>
+          <a:lstStyle/>
+          <a:p>
+            <a:r>
+              <a:rPr lang="en-US" dirty="0" smtClean="0"/>
+              <a:t>Before 6</a:t>
+            </a:r>
+            <a:r>
+              <a:rPr lang="en-US" baseline="30000" dirty="0" smtClean="0"/>
+              <a:t>th</a:t>
+            </a:r>
+            <a:r>
+              <a:rPr lang="en-US" dirty="0" smtClean="0"/>
+              <a:t> </a:t>
+            </a:r>
+            <a:r>
+              <a:rPr lang="en-US" dirty="0" smtClean="0"/>
+              <a:t>run </a:t>
+            </a:r>
+            <a:endParaRPr lang="en-US" dirty="0"/>
+          </a:p>
+        </p:txBody>
+      </p:sp>
+      <p:sp>
+        <p:nvSpPr>
+          <p:cNvPr id="7" name="TextBox 6"/>
+          <p:cNvSpPr txBox="1"/>
+          <p:nvPr/>
+        </p:nvSpPr>
+        <p:spPr>
+          <a:xfrm>
+            <a:off x="5861504" y="3093156"/>
+            <a:ext cx="1389226" cy="369332"/>
+          </a:xfrm>
+          <a:prstGeom prst="rect">
+            <a:avLst/>
+          </a:prstGeom>
+          <a:noFill/>
+        </p:spPr>
+        <p:txBody>
+          <a:bodyPr wrap="none" rtlCol="0">
+            <a:spAutoFit/>
+          </a:bodyPr>
+          <a:lstStyle/>
+          <a:p>
+            <a:r>
+              <a:rPr lang="en-US" dirty="0" smtClean="0"/>
+              <a:t>After 6</a:t>
+            </a:r>
+            <a:r>
+              <a:rPr lang="en-US" baseline="30000" dirty="0" smtClean="0"/>
+              <a:t>th</a:t>
+            </a:r>
+            <a:r>
+              <a:rPr lang="en-US" dirty="0" smtClean="0"/>
+              <a:t> </a:t>
+            </a:r>
+            <a:r>
+              <a:rPr lang="en-US" dirty="0" smtClean="0"/>
+              <a:t>run </a:t>
+            </a:r>
+            <a:endParaRPr lang="en-US" dirty="0"/>
+          </a:p>
+        </p:txBody>
+      </p:sp>
+      <p:sp>
+        <p:nvSpPr>
+          <p:cNvPr id="8" name="TextBox 7"/>
+          <p:cNvSpPr txBox="1"/>
+          <p:nvPr/>
+        </p:nvSpPr>
+        <p:spPr>
+          <a:xfrm>
+            <a:off x="2006157" y="6366090"/>
+            <a:ext cx="1586973" cy="369332"/>
+          </a:xfrm>
+          <a:prstGeom prst="rect">
+            <a:avLst/>
+          </a:prstGeom>
+          <a:noFill/>
+        </p:spPr>
+        <p:txBody>
+          <a:bodyPr wrap="none" rtlCol="0">
+            <a:spAutoFit/>
+          </a:bodyPr>
+          <a:lstStyle/>
+          <a:p>
+            <a:r>
+              <a:rPr lang="en-US" dirty="0" smtClean="0"/>
+              <a:t>Before 8</a:t>
+            </a:r>
+            <a:r>
+              <a:rPr lang="en-US" baseline="30000" dirty="0" smtClean="0"/>
+              <a:t>th</a:t>
+            </a:r>
+            <a:r>
+              <a:rPr lang="en-US" dirty="0" smtClean="0"/>
+              <a:t> </a:t>
+            </a:r>
+            <a:r>
+              <a:rPr lang="en-US" dirty="0" smtClean="0"/>
+              <a:t>run </a:t>
+            </a:r>
+            <a:endParaRPr lang="en-US" dirty="0"/>
+          </a:p>
+        </p:txBody>
+      </p:sp>
+      <p:sp>
+        <p:nvSpPr>
+          <p:cNvPr id="9" name="TextBox 8"/>
+          <p:cNvSpPr txBox="1"/>
+          <p:nvPr/>
+        </p:nvSpPr>
+        <p:spPr>
+          <a:xfrm>
+            <a:off x="5717475" y="6378222"/>
+            <a:ext cx="1389226" cy="369332"/>
+          </a:xfrm>
+          <a:prstGeom prst="rect">
+            <a:avLst/>
+          </a:prstGeom>
+          <a:noFill/>
+        </p:spPr>
+        <p:txBody>
+          <a:bodyPr wrap="none" rtlCol="0">
+            <a:spAutoFit/>
+          </a:bodyPr>
+          <a:lstStyle/>
+          <a:p>
+            <a:r>
+              <a:rPr lang="en-US" dirty="0" smtClean="0"/>
+              <a:t>After 8</a:t>
+            </a:r>
+            <a:r>
+              <a:rPr lang="en-US" baseline="30000" dirty="0" smtClean="0"/>
+              <a:t>th</a:t>
+            </a:r>
+            <a:r>
+              <a:rPr lang="en-US" dirty="0" smtClean="0"/>
+              <a:t> </a:t>
+            </a:r>
+            <a:r>
+              <a:rPr lang="en-US" dirty="0" smtClean="0"/>
+              <a:t>run </a:t>
+            </a:r>
+            <a:endParaRPr lang="en-US" dirty="0"/>
+          </a:p>
+        </p:txBody>
+      </p:sp>
+    </p:spTree>
+    <p:extLst>
+      <p:ext uri="{BB962C8B-B14F-4D97-AF65-F5344CB8AC3E}">
+        <p14:creationId xmlns:p14="http://schemas.microsoft.com/office/powerpoint/2010/main" val="4254073197"/>
+      </p:ext>
+    </p:extLst>
+  </p:cSld>
+  <p:clrMapOvr>
+    <a:masterClrMapping/>
+  </p:clrMapOvr>
 </p:sld>
 </file>
 
@@ -3561,14 +3898,57 @@
         </p:blipFill>
         <p:spPr>
           <a:xfrm>
-            <a:off x="334818" y="342898"/>
-            <a:ext cx="9360000" cy="6435000"/>
+            <a:off x="395110" y="539228"/>
+            <a:ext cx="8229600" cy="5657850"/>
           </a:xfrm>
           <a:prstGeom prst="rect">
             <a:avLst/>
           </a:prstGeom>
         </p:spPr>
       </p:pic>
+      <p:sp>
+        <p:nvSpPr>
+          <p:cNvPr id="3" name="TextBox 2"/>
+          <p:cNvSpPr txBox="1"/>
+          <p:nvPr/>
+        </p:nvSpPr>
+        <p:spPr>
+          <a:xfrm>
+            <a:off x="6812845" y="5943162"/>
+            <a:ext cx="2071511" cy="646331"/>
+          </a:xfrm>
+          <a:prstGeom prst="rect">
+            <a:avLst/>
+          </a:prstGeom>
+          <a:noFill/>
+        </p:spPr>
+        <p:txBody>
+          <a:bodyPr wrap="square" rtlCol="0">
+            <a:spAutoFit/>
+          </a:bodyPr>
+          <a:lstStyle/>
+          <a:p>
+            <a:r>
+              <a:rPr lang="en-US" dirty="0"/>
+              <a:t>Same syringe (2</a:t>
+            </a:r>
+            <a:r>
+              <a:rPr lang="en-US" baseline="30000" dirty="0"/>
+              <a:t>nd</a:t>
+            </a:r>
+            <a:r>
+              <a:rPr lang="en-US" dirty="0"/>
+              <a:t>)</a:t>
+            </a:r>
+          </a:p>
+          <a:p>
+            <a:r>
+              <a:rPr lang="en-US" dirty="0"/>
+              <a:t>5 continuous runs</a:t>
+            </a:r>
+          </a:p>
+        </p:txBody>
+      </p:sp>
     </p:spTree>
     <p:extLst>
       <p:ext uri="{BB962C8B-B14F-4D97-AF65-F5344CB8AC3E}">
@@ -3621,14 +4001,57 @@
         </p:blipFill>
         <p:spPr>
           <a:xfrm>
-            <a:off x="2438400" y="914400"/>
-            <a:ext cx="7315200" cy="5029200"/>
+            <a:off x="530577" y="552098"/>
+            <a:ext cx="8229600" cy="5657850"/>
           </a:xfrm>
           <a:prstGeom prst="rect">
             <a:avLst/>
           </a:prstGeom>
         </p:spPr>
       </p:pic>
+      <p:sp>
+        <p:nvSpPr>
+          <p:cNvPr id="3" name="TextBox 2"/>
+          <p:cNvSpPr txBox="1"/>
+          <p:nvPr/>
+        </p:nvSpPr>
+        <p:spPr>
+          <a:xfrm>
+            <a:off x="6812845" y="5943162"/>
+            <a:ext cx="2071511" cy="646331"/>
+          </a:xfrm>
+          <a:prstGeom prst="rect">
+            <a:avLst/>
+          </a:prstGeom>
+          <a:noFill/>
+        </p:spPr>
+        <p:txBody>
+          <a:bodyPr wrap="square" rtlCol="0">
+            <a:spAutoFit/>
+          </a:bodyPr>
+          <a:lstStyle/>
+          <a:p>
+            <a:r>
+              <a:rPr lang="en-US" dirty="0"/>
+              <a:t>Same syringe (2</a:t>
+            </a:r>
+            <a:r>
+              <a:rPr lang="en-US" baseline="30000" dirty="0"/>
+              <a:t>nd</a:t>
+            </a:r>
+            <a:r>
+              <a:rPr lang="en-US" dirty="0"/>
+              <a:t>)</a:t>
+            </a:r>
+          </a:p>
+          <a:p>
+            <a:r>
+              <a:rPr lang="en-US" dirty="0"/>
+              <a:t>5 continuous runs</a:t>
+            </a:r>
+          </a:p>
+        </p:txBody>
+      </p:sp>
     </p:spTree>
     <p:extLst>
       <p:ext uri="{BB962C8B-B14F-4D97-AF65-F5344CB8AC3E}">
@@ -3681,14 +4104,82 @@
         </p:blipFill>
         <p:spPr>
           <a:xfrm>
-            <a:off x="2438400" y="914400"/>
-            <a:ext cx="7315200" cy="5029200"/>
+            <a:off x="519289" y="608544"/>
+            <a:ext cx="8229600" cy="5657850"/>
           </a:xfrm>
           <a:prstGeom prst="rect">
             <a:avLst/>
           </a:prstGeom>
         </p:spPr>
       </p:pic>
+      <p:sp>
+        <p:nvSpPr>
+          <p:cNvPr id="3" name="TextBox 2"/>
+          <p:cNvSpPr txBox="1"/>
+          <p:nvPr/>
+        </p:nvSpPr>
+        <p:spPr>
+          <a:xfrm>
+            <a:off x="5858934" y="5943228"/>
+            <a:ext cx="3036712" cy="646331"/>
+          </a:xfrm>
+          <a:prstGeom prst="rect">
+            <a:avLst/>
+          </a:prstGeom>
+          <a:noFill/>
+        </p:spPr>
+        <p:txBody>
+          <a:bodyPr wrap="square" rtlCol="0">
+            <a:spAutoFit/>
+          </a:bodyPr>
+          <a:lstStyle/>
+          <a:p>
+            <a:r>
+              <a:rPr lang="en-US" dirty="0"/>
+              <a:t>Same syringe </a:t>
+            </a:r>
+            <a:r>
+              <a:rPr lang="en-US" dirty="0" smtClean="0"/>
+              <a:t>(3</a:t>
+            </a:r>
+            <a:r>
+              <a:rPr lang="en-US" baseline="30000" dirty="0" smtClean="0"/>
+              <a:t>rd</a:t>
+            </a:r>
+            <a:r>
+              <a:rPr lang="en-US" dirty="0" smtClean="0"/>
+              <a:t>)</a:t>
+            </a:r>
+            <a:endParaRPr lang="en-US" dirty="0"/>
+          </a:p>
+          <a:p>
+            <a:r>
+              <a:rPr lang="en-US" dirty="0" smtClean="0"/>
+              <a:t>2</a:t>
+            </a:r>
+            <a:r>
+              <a:rPr lang="en-US" baseline="30000" dirty="0" smtClean="0"/>
+              <a:t>nd</a:t>
+            </a:r>
+            <a:r>
+              <a:rPr lang="en-US" dirty="0" smtClean="0"/>
+              <a:t> to 5</a:t>
+            </a:r>
+            <a:r>
+              <a:rPr lang="en-US" baseline="30000" dirty="0" smtClean="0"/>
+              <a:t>th</a:t>
+            </a:r>
+            <a:r>
+              <a:rPr lang="en-US" dirty="0" smtClean="0"/>
+              <a:t> are continuous </a:t>
+            </a:r>
+            <a:r>
+              <a:rPr lang="en-US" dirty="0"/>
+              <a:t>runs</a:t>
+            </a:r>
+          </a:p>
+        </p:txBody>
+      </p:sp>
     </p:spTree>
     <p:extLst>
       <p:ext uri="{BB962C8B-B14F-4D97-AF65-F5344CB8AC3E}">
@@ -3741,14 +4232,82 @@
         </p:blipFill>
         <p:spPr>
           <a:xfrm>
-            <a:off x="2438400" y="914400"/>
-            <a:ext cx="7315200" cy="5029200"/>
+            <a:off x="548992" y="382765"/>
+            <a:ext cx="8229600" cy="5657850"/>
           </a:xfrm>
           <a:prstGeom prst="rect">
             <a:avLst/>
           </a:prstGeom>
         </p:spPr>
       </p:pic>
+      <p:sp>
+        <p:nvSpPr>
+          <p:cNvPr id="3" name="TextBox 2"/>
+          <p:cNvSpPr txBox="1"/>
+          <p:nvPr/>
+        </p:nvSpPr>
+        <p:spPr>
+          <a:xfrm>
+            <a:off x="5858934" y="5943228"/>
+            <a:ext cx="3036712" cy="646331"/>
+          </a:xfrm>
+          <a:prstGeom prst="rect">
+            <a:avLst/>
+          </a:prstGeom>
+          <a:noFill/>
+        </p:spPr>
+        <p:txBody>
+          <a:bodyPr wrap="square" rtlCol="0">
+            <a:spAutoFit/>
+          </a:bodyPr>
+          <a:lstStyle/>
+          <a:p>
+            <a:r>
+              <a:rPr lang="en-US" dirty="0"/>
+              <a:t>Same syringe </a:t>
+            </a:r>
+            <a:r>
+              <a:rPr lang="en-US" dirty="0" smtClean="0"/>
+              <a:t>(3</a:t>
+            </a:r>
+            <a:r>
+              <a:rPr lang="en-US" baseline="30000" dirty="0" smtClean="0"/>
+              <a:t>rd</a:t>
+            </a:r>
+            <a:r>
+              <a:rPr lang="en-US" dirty="0" smtClean="0"/>
+              <a:t>)</a:t>
+            </a:r>
+            <a:endParaRPr lang="en-US" dirty="0"/>
+          </a:p>
+          <a:p>
+            <a:r>
+              <a:rPr lang="en-US" dirty="0" smtClean="0"/>
+              <a:t>2</a:t>
+            </a:r>
+            <a:r>
+              <a:rPr lang="en-US" baseline="30000" dirty="0" smtClean="0"/>
+              <a:t>nd</a:t>
+            </a:r>
+            <a:r>
+              <a:rPr lang="en-US" dirty="0" smtClean="0"/>
+              <a:t> to 5</a:t>
+            </a:r>
+            <a:r>
+              <a:rPr lang="en-US" baseline="30000" dirty="0" smtClean="0"/>
+              <a:t>th</a:t>
+            </a:r>
+            <a:r>
+              <a:rPr lang="en-US" dirty="0" smtClean="0"/>
+              <a:t> are continuous </a:t>
+            </a:r>
+            <a:r>
+              <a:rPr lang="en-US" dirty="0"/>
+              <a:t>runs</a:t>
+            </a:r>
+          </a:p>
+        </p:txBody>
+      </p:sp>
     </p:spTree>
     <p:extLst>
       <p:ext uri="{BB962C8B-B14F-4D97-AF65-F5344CB8AC3E}">
@@ -3759,10 +4318,114 @@
   <p:clrMapOvr>
     <a:masterClrMapping/>
   </p:clrMapOvr>
+  <p:timing>
+    <p:tnLst>
+      <p:par>
+        <p:cTn id="1" dur="indefinite" restart="never" nodeType="tmRoot"/>
+      </p:par>
+    </p:tnLst>
+  </p:timing>
 </p:sld>
 </file>
 
 <file path=ppt/slides/slide6.xml><?xml version="1.0" encoding="utf-8"?>
+<p:sld xmlns:a="http://schemas.openxmlformats.org/drawingml/2006/main" xmlns:r="http://schemas.openxmlformats.org/officeDocument/2006/relationships" xmlns:p="http://schemas.openxmlformats.org/presentationml/2006/main">
+  <p:cSld>
+    <p:spTree>
+      <p:nvGrpSpPr>
+        <p:cNvPr id="1" name=""/>
+        <p:cNvGrpSpPr/>
+        <p:nvPr/>
+      </p:nvGrpSpPr>
+      <p:grpSpPr>
+        <a:xfrm>
+          <a:off x="0" y="0"/>
+          <a:ext cx="0" cy="0"/>
+          <a:chOff x="0" y="0"/>
+          <a:chExt cx="0" cy="0"/>
+        </a:xfrm>
+      </p:grpSpPr>
+      <p:pic>
+        <p:nvPicPr>
+          <p:cNvPr id="3" name="圖片 2" descr="compare_syringe_force_travel_20170224_2ndsyringe_1sttrial_3rdsyringe_1sttrial_5ml_70mm-min_0um.png"/>
+          <p:cNvPicPr>
+            <a:picLocks noChangeAspect="1"/>
+          </p:cNvPicPr>
+          <p:nvPr/>
+        </p:nvPicPr>
+        <p:blipFill>
+          <a:blip r:embed="rId2" cstate="print">
+            <a:extLst>
+              <a:ext uri="{28A0092B-C50C-407E-A947-70E740481C1C}">
+                <a14:useLocalDpi xmlns:a14="http://schemas.microsoft.com/office/drawing/2010/main" val="0"/>
+              </a:ext>
+            </a:extLst>
+          </a:blip>
+          <a:stretch>
+            <a:fillRect/>
+          </a:stretch>
+        </p:blipFill>
+        <p:spPr>
+          <a:xfrm>
+            <a:off x="0" y="3400424"/>
+            <a:ext cx="5029200" cy="3457576"/>
+          </a:xfrm>
+          <a:prstGeom prst="rect">
+            <a:avLst/>
+          </a:prstGeom>
+        </p:spPr>
+      </p:pic>
+      <p:pic>
+        <p:nvPicPr>
+          <p:cNvPr id="2" name="圖片 1" descr="compare_syringe_flow_20170224_2ndsyringe_1sttrial_3rdsyringe_1sttrial_5ml_70mm-min_0um.png"/>
+          <p:cNvPicPr>
+            <a:picLocks noChangeAspect="1"/>
+          </p:cNvPicPr>
+          <p:nvPr/>
+        </p:nvPicPr>
+        <p:blipFill>
+          <a:blip r:embed="rId3" cstate="print">
+            <a:extLst>
+              <a:ext uri="{28A0092B-C50C-407E-A947-70E740481C1C}">
+                <a14:useLocalDpi xmlns:a14="http://schemas.microsoft.com/office/drawing/2010/main" val="0"/>
+              </a:ext>
+            </a:extLst>
+          </a:blip>
+          <a:stretch>
+            <a:fillRect/>
+          </a:stretch>
+        </p:blipFill>
+        <p:spPr>
+          <a:xfrm>
+            <a:off x="0" y="0"/>
+            <a:ext cx="5029200" cy="3457575"/>
+          </a:xfrm>
+          <a:prstGeom prst="rect">
+            <a:avLst/>
+          </a:prstGeom>
+        </p:spPr>
+      </p:pic>
+    </p:spTree>
+    <p:extLst>
+      <p:ext uri="{BB962C8B-B14F-4D97-AF65-F5344CB8AC3E}">
+        <p14:creationId xmlns:p14="http://schemas.microsoft.com/office/powerpoint/2010/main" val="2106702302"/>
+      </p:ext>
+    </p:extLst>
+  </p:cSld>
+  <p:clrMapOvr>
+    <a:masterClrMapping/>
+  </p:clrMapOvr>
+  <p:timing>
+    <p:tnLst>
+      <p:par>
+        <p:cTn id="1" dur="indefinite" restart="never" nodeType="tmRoot"/>
+      </p:par>
+    </p:tnLst>
+  </p:timing>
+</p:sld>
+</file>
+
+<file path=ppt/slides/slide7.xml><?xml version="1.0" encoding="utf-8"?>
 <p:sld xmlns:a="http://schemas.openxmlformats.org/drawingml/2006/main" xmlns:r="http://schemas.openxmlformats.org/officeDocument/2006/relationships" xmlns:p="http://schemas.openxmlformats.org/presentationml/2006/main">
   <p:cSld>
     <p:spTree>
@@ -3801,14 +4464,82 @@
         </p:blipFill>
         <p:spPr>
           <a:xfrm>
-            <a:off x="2438400" y="914400"/>
-            <a:ext cx="7315200" cy="5029200"/>
+            <a:off x="643467" y="518231"/>
+            <a:ext cx="8229600" cy="5657850"/>
           </a:xfrm>
           <a:prstGeom prst="rect">
             <a:avLst/>
           </a:prstGeom>
         </p:spPr>
       </p:pic>
+      <p:sp>
+        <p:nvSpPr>
+          <p:cNvPr id="3" name="TextBox 2"/>
+          <p:cNvSpPr txBox="1"/>
+          <p:nvPr/>
+        </p:nvSpPr>
+        <p:spPr>
+          <a:xfrm>
+            <a:off x="5858934" y="5943228"/>
+            <a:ext cx="3036712" cy="646331"/>
+          </a:xfrm>
+          <a:prstGeom prst="rect">
+            <a:avLst/>
+          </a:prstGeom>
+          <a:noFill/>
+        </p:spPr>
+        <p:txBody>
+          <a:bodyPr wrap="square" rtlCol="0">
+            <a:spAutoFit/>
+          </a:bodyPr>
+          <a:lstStyle/>
+          <a:p>
+            <a:r>
+              <a:rPr lang="en-US" dirty="0"/>
+              <a:t>Same syringe </a:t>
+            </a:r>
+            <a:r>
+              <a:rPr lang="en-US" dirty="0" smtClean="0"/>
+              <a:t>(3</a:t>
+            </a:r>
+            <a:r>
+              <a:rPr lang="en-US" baseline="30000" dirty="0" smtClean="0"/>
+              <a:t>rd</a:t>
+            </a:r>
+            <a:r>
+              <a:rPr lang="en-US" dirty="0" smtClean="0"/>
+              <a:t>)</a:t>
+            </a:r>
+            <a:endParaRPr lang="en-US" dirty="0"/>
+          </a:p>
+          <a:p>
+            <a:r>
+              <a:rPr lang="en-US" dirty="0" smtClean="0"/>
+              <a:t>7</a:t>
+            </a:r>
+            <a:r>
+              <a:rPr lang="en-US" baseline="30000" dirty="0" smtClean="0"/>
+              <a:t>th</a:t>
+            </a:r>
+            <a:r>
+              <a:rPr lang="en-US" dirty="0" smtClean="0"/>
+              <a:t> to 12</a:t>
+            </a:r>
+            <a:r>
+              <a:rPr lang="en-US" baseline="30000" dirty="0" smtClean="0"/>
+              <a:t>th</a:t>
+            </a:r>
+            <a:r>
+              <a:rPr lang="en-US" dirty="0" smtClean="0"/>
+              <a:t> are continuous </a:t>
+            </a:r>
+            <a:r>
+              <a:rPr lang="en-US" dirty="0"/>
+              <a:t>runs</a:t>
+            </a:r>
+          </a:p>
+        </p:txBody>
+      </p:sp>
     </p:spTree>
     <p:extLst>
       <p:ext uri="{BB962C8B-B14F-4D97-AF65-F5344CB8AC3E}">
@@ -3819,10 +4550,17 @@
   <p:clrMapOvr>
     <a:masterClrMapping/>
   </p:clrMapOvr>
+  <p:timing>
+    <p:tnLst>
+      <p:par>
+        <p:cTn id="1" dur="indefinite" restart="never" nodeType="tmRoot"/>
+      </p:par>
+    </p:tnLst>
+  </p:timing>
 </p:sld>
 </file>
 
-<file path=ppt/slides/slide7.xml><?xml version="1.0" encoding="utf-8"?>
+<file path=ppt/slides/slide8.xml><?xml version="1.0" encoding="utf-8"?>
 <p:sld xmlns:a="http://schemas.openxmlformats.org/drawingml/2006/main" xmlns:r="http://schemas.openxmlformats.org/officeDocument/2006/relationships" xmlns:p="http://schemas.openxmlformats.org/presentationml/2006/main">
   <p:cSld>
     <p:spTree>
@@ -3861,14 +4599,82 @@
         </p:blipFill>
         <p:spPr>
           <a:xfrm>
-            <a:off x="2438400" y="914400"/>
-            <a:ext cx="7315200" cy="5029200"/>
+            <a:off x="440267" y="495654"/>
+            <a:ext cx="8229600" cy="5657850"/>
           </a:xfrm>
           <a:prstGeom prst="rect">
             <a:avLst/>
           </a:prstGeom>
         </p:spPr>
       </p:pic>
+      <p:sp>
+        <p:nvSpPr>
+          <p:cNvPr id="3" name="TextBox 2"/>
+          <p:cNvSpPr txBox="1"/>
+          <p:nvPr/>
+        </p:nvSpPr>
+        <p:spPr>
+          <a:xfrm>
+            <a:off x="5858934" y="5943228"/>
+            <a:ext cx="3036712" cy="646331"/>
+          </a:xfrm>
+          <a:prstGeom prst="rect">
+            <a:avLst/>
+          </a:prstGeom>
+          <a:noFill/>
+        </p:spPr>
+        <p:txBody>
+          <a:bodyPr wrap="square" rtlCol="0">
+            <a:spAutoFit/>
+          </a:bodyPr>
+          <a:lstStyle/>
+          <a:p>
+            <a:r>
+              <a:rPr lang="en-US" dirty="0"/>
+              <a:t>Same syringe </a:t>
+            </a:r>
+            <a:r>
+              <a:rPr lang="en-US" dirty="0" smtClean="0"/>
+              <a:t>(3</a:t>
+            </a:r>
+            <a:r>
+              <a:rPr lang="en-US" baseline="30000" dirty="0" smtClean="0"/>
+              <a:t>rd</a:t>
+            </a:r>
+            <a:r>
+              <a:rPr lang="en-US" dirty="0" smtClean="0"/>
+              <a:t>)</a:t>
+            </a:r>
+            <a:endParaRPr lang="en-US" dirty="0"/>
+          </a:p>
+          <a:p>
+            <a:r>
+              <a:rPr lang="en-US" dirty="0" smtClean="0"/>
+              <a:t>7</a:t>
+            </a:r>
+            <a:r>
+              <a:rPr lang="en-US" baseline="30000" dirty="0" smtClean="0"/>
+              <a:t>th</a:t>
+            </a:r>
+            <a:r>
+              <a:rPr lang="en-US" dirty="0" smtClean="0"/>
+              <a:t> to 12</a:t>
+            </a:r>
+            <a:r>
+              <a:rPr lang="en-US" baseline="30000" dirty="0" smtClean="0"/>
+              <a:t>th</a:t>
+            </a:r>
+            <a:r>
+              <a:rPr lang="en-US" dirty="0" smtClean="0"/>
+              <a:t> are continuous </a:t>
+            </a:r>
+            <a:r>
+              <a:rPr lang="en-US" dirty="0"/>
+              <a:t>runs</a:t>
+            </a:r>
+          </a:p>
+        </p:txBody>
+      </p:sp>
     </p:spTree>
     <p:extLst>
       <p:ext uri="{BB962C8B-B14F-4D97-AF65-F5344CB8AC3E}">
@@ -3879,96 +4685,13 @@
   <p:clrMapOvr>
     <a:masterClrMapping/>
   </p:clrMapOvr>
-</p:sld>
-</file>
-
-<file path=ppt/slides/slide8.xml><?xml version="1.0" encoding="utf-8"?>
-<p:sld xmlns:a="http://schemas.openxmlformats.org/drawingml/2006/main" xmlns:r="http://schemas.openxmlformats.org/officeDocument/2006/relationships" xmlns:p="http://schemas.openxmlformats.org/presentationml/2006/main">
-  <p:cSld>
-    <p:spTree>
-      <p:nvGrpSpPr>
-        <p:cNvPr id="1" name=""/>
-        <p:cNvGrpSpPr/>
-        <p:nvPr/>
-      </p:nvGrpSpPr>
-      <p:grpSpPr>
-        <a:xfrm>
-          <a:off x="0" y="0"/>
-          <a:ext cx="0" cy="0"/>
-          <a:chOff x="0" y="0"/>
-          <a:chExt cx="0" cy="0"/>
-        </a:xfrm>
-      </p:grpSpPr>
-      <p:pic>
-        <p:nvPicPr>
-          <p:cNvPr id="2" name="圖片 1" descr="compare_syringe_flow_20170224_2ndsyringe_1sttrial_3rdsyringe_1sttrial_5ml_70mm-min_0um.png"/>
-          <p:cNvPicPr>
-            <a:picLocks noChangeAspect="1"/>
-          </p:cNvPicPr>
-          <p:nvPr/>
-        </p:nvPicPr>
-        <p:blipFill>
-          <a:blip r:embed="rId2">
-            <a:extLst>
-              <a:ext uri="{28A0092B-C50C-407E-A947-70E740481C1C}">
-                <a14:useLocalDpi xmlns:a14="http://schemas.microsoft.com/office/drawing/2010/main" val="0"/>
-              </a:ext>
-            </a:extLst>
-          </a:blip>
-          <a:stretch>
-            <a:fillRect/>
-          </a:stretch>
-        </p:blipFill>
-        <p:spPr>
-          <a:xfrm>
-            <a:off x="2438400" y="914400"/>
-            <a:ext cx="7315200" cy="5029200"/>
-          </a:xfrm>
-          <a:prstGeom prst="rect">
-            <a:avLst/>
-          </a:prstGeom>
-        </p:spPr>
-      </p:pic>
-      <p:pic>
-        <p:nvPicPr>
-          <p:cNvPr id="3" name="圖片 2" descr="compare_syringe_force_travel_20170224_2ndsyringe_1sttrial_3rdsyringe_1sttrial_5ml_70mm-min_0um.png"/>
-          <p:cNvPicPr>
-            <a:picLocks noChangeAspect="1"/>
-          </p:cNvPicPr>
-          <p:nvPr/>
-        </p:nvPicPr>
-        <p:blipFill>
-          <a:blip r:embed="rId3">
-            <a:extLst>
-              <a:ext uri="{28A0092B-C50C-407E-A947-70E740481C1C}">
-                <a14:useLocalDpi xmlns:a14="http://schemas.microsoft.com/office/drawing/2010/main" val="0"/>
-              </a:ext>
-            </a:extLst>
-          </a:blip>
-          <a:stretch>
-            <a:fillRect/>
-          </a:stretch>
-        </p:blipFill>
-        <p:spPr>
-          <a:xfrm>
-            <a:off x="2438400" y="914400"/>
-            <a:ext cx="7315200" cy="5029200"/>
-          </a:xfrm>
-          <a:prstGeom prst="rect">
-            <a:avLst/>
-          </a:prstGeom>
-        </p:spPr>
-      </p:pic>
-    </p:spTree>
-    <p:extLst>
-      <p:ext uri="{BB962C8B-B14F-4D97-AF65-F5344CB8AC3E}">
-        <p14:creationId xmlns:p14="http://schemas.microsoft.com/office/powerpoint/2010/main" val="2106702302"/>
-      </p:ext>
-    </p:extLst>
-  </p:cSld>
-  <p:clrMapOvr>
-    <a:masterClrMapping/>
-  </p:clrMapOvr>
+  <p:timing>
+    <p:tnLst>
+      <p:par>
+        <p:cTn id="1" dur="indefinite" restart="never" nodeType="tmRoot"/>
+      </p:par>
+    </p:tnLst>
+  </p:timing>
 </p:sld>
 </file>
 
@@ -3998,7 +4721,7 @@
           <p:nvPr/>
         </p:nvPicPr>
         <p:blipFill>
-          <a:blip r:embed="rId2">
+          <a:blip r:embed="rId2" cstate="print">
             <a:extLst>
               <a:ext uri="{28A0092B-C50C-407E-A947-70E740481C1C}">
                 <a14:useLocalDpi xmlns:a14="http://schemas.microsoft.com/office/drawing/2010/main" val="0"/>
@@ -4011,8 +4734,8 @@
         </p:blipFill>
         <p:spPr>
           <a:xfrm>
-            <a:off x="2438400" y="914400"/>
-            <a:ext cx="7315200" cy="5029200"/>
+            <a:off x="-1" y="3400424"/>
+            <a:ext cx="5029200" cy="3457576"/>
           </a:xfrm>
           <a:prstGeom prst="rect">
             <a:avLst/>
@@ -4028,7 +4751,7 @@
           <p:nvPr/>
         </p:nvPicPr>
         <p:blipFill>
-          <a:blip r:embed="rId3">
+          <a:blip r:embed="rId3" cstate="print">
             <a:extLst>
               <a:ext uri="{28A0092B-C50C-407E-A947-70E740481C1C}">
                 <a14:useLocalDpi xmlns:a14="http://schemas.microsoft.com/office/drawing/2010/main" val="0"/>
@@ -4041,8 +4764,8 @@
         </p:blipFill>
         <p:spPr>
           <a:xfrm>
-            <a:off x="2438400" y="914400"/>
-            <a:ext cx="7315200" cy="5029200"/>
+            <a:off x="-1" y="0"/>
+            <a:ext cx="5029200" cy="3457576"/>
           </a:xfrm>
           <a:prstGeom prst="rect">
             <a:avLst/>
@@ -4065,7 +4788,7 @@
 <file path=ppt/theme/theme1.xml><?xml version="1.0" encoding="utf-8"?>
 <a:theme xmlns:a="http://schemas.openxmlformats.org/drawingml/2006/main" name="Office Theme">
   <a:themeElements>
-    <a:clrScheme name="Office">
+    <a:clrScheme name="Office Theme">
       <a:dk1>
         <a:sysClr val="windowText" lastClr="000000"/>
       </a:dk1>
@@ -4103,9 +4826,9 @@
         <a:srgbClr val="954F72"/>
       </a:folHlink>
     </a:clrScheme>
-    <a:fontScheme name="Office">
+    <a:fontScheme name="Office Theme">
       <a:majorFont>
-        <a:latin typeface="Calibri Light"/>
+        <a:latin typeface="Calibri Light" panose="020F0302020204030204"/>
         <a:ea typeface=""/>
         <a:cs typeface=""/>
         <a:font script="Jpan" typeface="游ゴシック Light"/>
@@ -4140,7 +4863,7 @@
         <a:font script="Geor" typeface="Sylfaen"/>
       </a:majorFont>
       <a:minorFont>
-        <a:latin typeface="Calibri"/>
+        <a:latin typeface="Calibri" panose="020F0502020204030204"/>
         <a:ea typeface=""/>
         <a:cs typeface=""/>
         <a:font script="Jpan" typeface="游ゴシック"/>
@@ -4175,7 +4898,7 @@
         <a:font script="Geor" typeface="Sylfaen"/>
       </a:minorFont>
     </a:fontScheme>
-    <a:fmtScheme name="Office">
+    <a:fmtScheme name="Office Theme">
       <a:fillStyleLst>
         <a:solidFill>
           <a:schemeClr val="phClr"/>
@@ -4317,7 +5040,7 @@
   <a:extraClrSchemeLst/>
   <a:extLst>
     <a:ext uri="{05A4C25C-085E-4340-85A3-A5531E510DB2}">
-      <thm15:themeFamily xmlns="" xmlns:thm15="http://schemas.microsoft.com/office/thememl/2012/main" name="Office Theme" id="{62F939B6-93AF-4DB8-9C6B-D6C7DFDC589F}" vid="{4A3C46E8-61CC-4603-A589-7422A47A8E4A}"/>
+      <thm15:themeFamily xmlns:thm15="http://schemas.microsoft.com/office/thememl/2012/main" name="Office Theme" id="{62F939B6-93AF-4DB8-9C6B-D6C7DFDC589F}" vid="{4A3C46E8-61CC-4603-A589-7422A47A8E4A}"/>
     </a:ext>
   </a:extLst>
 </a:theme>

--- a/20170224data_slides_2.pptx
+++ b/20170224data_slides_2.pptx
@@ -118,7 +118,7 @@
   </p:defaultTextStyle>
   <p:extLst>
     <p:ext uri="{EFAFB233-063F-42B5-8137-9DF3F51BA10A}">
-      <p15:sldGuideLst xmlns:p15="http://schemas.microsoft.com/office/powerpoint/2012/main">
+      <p15:sldGuideLst xmlns:p15="http://schemas.microsoft.com/office/powerpoint/2012/main" xmlns="">
         <p15:guide id="1" orient="horz" pos="2160" userDrawn="1">
           <p15:clr>
             <a:srgbClr val="A4A3A4"/>
@@ -217,7 +217,7 @@
           <a:p>
             <a:fld id="{FF81B80E-AC28-0449-B7CD-9ED0D45851BA}" type="datetimeFigureOut">
               <a:rPr kumimoji="1" lang="zh-TW" altLang="en-US" smtClean="0"/>
-              <a:t>2017/3/2</a:t>
+              <a:t>3/2/17</a:t>
             </a:fld>
             <a:endParaRPr kumimoji="1" lang="zh-TW" altLang="en-US"/>
           </a:p>
@@ -755,7 +755,7 @@
           <a:p>
             <a:fld id="{27C78BFA-AE4B-4240-94B5-3BA327B38241}" type="datetimeFigureOut">
               <a:rPr lang="en-US" smtClean="0"/>
-              <a:t>3/2/2017</a:t>
+              <a:t>3/2/17</a:t>
             </a:fld>
             <a:endParaRPr lang="en-US"/>
           </a:p>
@@ -925,7 +925,7 @@
           <a:p>
             <a:fld id="{27C78BFA-AE4B-4240-94B5-3BA327B38241}" type="datetimeFigureOut">
               <a:rPr lang="en-US" smtClean="0"/>
-              <a:t>3/2/2017</a:t>
+              <a:t>3/2/17</a:t>
             </a:fld>
             <a:endParaRPr lang="en-US"/>
           </a:p>
@@ -1105,7 +1105,7 @@
           <a:p>
             <a:fld id="{27C78BFA-AE4B-4240-94B5-3BA327B38241}" type="datetimeFigureOut">
               <a:rPr lang="en-US" smtClean="0"/>
-              <a:t>3/2/2017</a:t>
+              <a:t>3/2/17</a:t>
             </a:fld>
             <a:endParaRPr lang="en-US"/>
           </a:p>
@@ -1275,7 +1275,7 @@
           <a:p>
             <a:fld id="{27C78BFA-AE4B-4240-94B5-3BA327B38241}" type="datetimeFigureOut">
               <a:rPr lang="en-US" smtClean="0"/>
-              <a:t>3/2/2017</a:t>
+              <a:t>3/2/17</a:t>
             </a:fld>
             <a:endParaRPr lang="en-US"/>
           </a:p>
@@ -1519,7 +1519,7 @@
           <a:p>
             <a:fld id="{27C78BFA-AE4B-4240-94B5-3BA327B38241}" type="datetimeFigureOut">
               <a:rPr lang="en-US" smtClean="0"/>
-              <a:t>3/2/2017</a:t>
+              <a:t>3/2/17</a:t>
             </a:fld>
             <a:endParaRPr lang="en-US"/>
           </a:p>
@@ -1751,7 +1751,7 @@
           <a:p>
             <a:fld id="{27C78BFA-AE4B-4240-94B5-3BA327B38241}" type="datetimeFigureOut">
               <a:rPr lang="en-US" smtClean="0"/>
-              <a:t>3/2/2017</a:t>
+              <a:t>3/2/17</a:t>
             </a:fld>
             <a:endParaRPr lang="en-US"/>
           </a:p>
@@ -2118,7 +2118,7 @@
           <a:p>
             <a:fld id="{27C78BFA-AE4B-4240-94B5-3BA327B38241}" type="datetimeFigureOut">
               <a:rPr lang="en-US" smtClean="0"/>
-              <a:t>3/2/2017</a:t>
+              <a:t>3/2/17</a:t>
             </a:fld>
             <a:endParaRPr lang="en-US"/>
           </a:p>
@@ -2236,7 +2236,7 @@
           <a:p>
             <a:fld id="{27C78BFA-AE4B-4240-94B5-3BA327B38241}" type="datetimeFigureOut">
               <a:rPr lang="en-US" smtClean="0"/>
-              <a:t>3/2/2017</a:t>
+              <a:t>3/2/17</a:t>
             </a:fld>
             <a:endParaRPr lang="en-US"/>
           </a:p>
@@ -2331,7 +2331,7 @@
           <a:p>
             <a:fld id="{27C78BFA-AE4B-4240-94B5-3BA327B38241}" type="datetimeFigureOut">
               <a:rPr lang="en-US" smtClean="0"/>
-              <a:t>3/2/2017</a:t>
+              <a:t>3/2/17</a:t>
             </a:fld>
             <a:endParaRPr lang="en-US"/>
           </a:p>
@@ -2608,7 +2608,7 @@
           <a:p>
             <a:fld id="{27C78BFA-AE4B-4240-94B5-3BA327B38241}" type="datetimeFigureOut">
               <a:rPr lang="en-US" smtClean="0"/>
-              <a:t>3/2/2017</a:t>
+              <a:t>3/2/17</a:t>
             </a:fld>
             <a:endParaRPr lang="en-US"/>
           </a:p>
@@ -2865,7 +2865,7 @@
           <a:p>
             <a:fld id="{27C78BFA-AE4B-4240-94B5-3BA327B38241}" type="datetimeFigureOut">
               <a:rPr lang="en-US" smtClean="0"/>
-              <a:t>3/2/2017</a:t>
+              <a:t>3/2/17</a:t>
             </a:fld>
             <a:endParaRPr lang="en-US"/>
           </a:p>
@@ -3078,7 +3078,7 @@
           <a:p>
             <a:fld id="{27C78BFA-AE4B-4240-94B5-3BA327B38241}" type="datetimeFigureOut">
               <a:rPr lang="en-US" smtClean="0"/>
-              <a:t>3/2/2017</a:t>
+              <a:t>3/2/17</a:t>
             </a:fld>
             <a:endParaRPr lang="en-US"/>
           </a:p>
@@ -3534,7 +3534,7 @@
   <p:timing>
     <p:tnLst>
       <p:par>
-        <p:cTn id="1" dur="indefinite" restart="never" nodeType="tmRoot"/>
+        <p:cTn xmlns:p14="http://schemas.microsoft.com/office/powerpoint/2010/main" id="1" dur="indefinite" restart="never" nodeType="tmRoot"/>
       </p:par>
     </p:tnLst>
   </p:timing>
@@ -3710,11 +3710,7 @@
             </a:r>
             <a:r>
               <a:rPr lang="en-US" dirty="0" smtClean="0"/>
-              <a:t> </a:t>
-            </a:r>
-            <a:r>
-              <a:rPr lang="en-US" dirty="0" smtClean="0"/>
-              <a:t>run </a:t>
+              <a:t> run </a:t>
             </a:r>
             <a:endParaRPr lang="en-US" dirty="0"/>
           </a:p>
@@ -3752,11 +3748,7 @@
             </a:r>
             <a:r>
               <a:rPr lang="en-US" dirty="0" smtClean="0"/>
-              <a:t> </a:t>
-            </a:r>
-            <a:r>
-              <a:rPr lang="en-US" dirty="0" smtClean="0"/>
-              <a:t>run </a:t>
+              <a:t> run </a:t>
             </a:r>
             <a:endParaRPr lang="en-US" dirty="0"/>
           </a:p>
@@ -3794,11 +3786,7 @@
             </a:r>
             <a:r>
               <a:rPr lang="en-US" dirty="0" smtClean="0"/>
-              <a:t> </a:t>
-            </a:r>
-            <a:r>
-              <a:rPr lang="en-US" dirty="0" smtClean="0"/>
-              <a:t>run </a:t>
+              <a:t> run </a:t>
             </a:r>
             <a:endParaRPr lang="en-US" dirty="0"/>
           </a:p>
@@ -3836,11 +3824,7 @@
             </a:r>
             <a:r>
               <a:rPr lang="en-US" dirty="0" smtClean="0"/>
-              <a:t> </a:t>
-            </a:r>
-            <a:r>
-              <a:rPr lang="en-US" dirty="0" smtClean="0"/>
-              <a:t>run </a:t>
+              <a:t> run </a:t>
             </a:r>
             <a:endParaRPr lang="en-US" dirty="0"/>
           </a:p>
@@ -4321,7 +4305,7 @@
   <p:timing>
     <p:tnLst>
       <p:par>
-        <p:cTn id="1" dur="indefinite" restart="never" nodeType="tmRoot"/>
+        <p:cTn xmlns:p14="http://schemas.microsoft.com/office/powerpoint/2010/main" id="1" dur="indefinite" restart="never" nodeType="tmRoot"/>
       </p:par>
     </p:tnLst>
   </p:timing>
@@ -4405,6 +4389,66 @@
           </a:prstGeom>
         </p:spPr>
       </p:pic>
+      <p:pic>
+        <p:nvPicPr>
+          <p:cNvPr id="4" name="圖片 3" descr="compare_syringe_flow_20170224_2ndsyringe_3rdtrial_3rdsyringe_3rdtrial_5ml_70mm-min_0um.png"/>
+          <p:cNvPicPr>
+            <a:picLocks noChangeAspect="1"/>
+          </p:cNvPicPr>
+          <p:nvPr/>
+        </p:nvPicPr>
+        <p:blipFill>
+          <a:blip r:embed="rId4">
+            <a:extLst>
+              <a:ext uri="{28A0092B-C50C-407E-A947-70E740481C1C}">
+                <a14:useLocalDpi xmlns:a14="http://schemas.microsoft.com/office/drawing/2010/main" val="0"/>
+              </a:ext>
+            </a:extLst>
+          </a:blip>
+          <a:stretch>
+            <a:fillRect/>
+          </a:stretch>
+        </p:blipFill>
+        <p:spPr>
+          <a:xfrm>
+            <a:off x="4470400" y="0"/>
+            <a:ext cx="5040000" cy="3465000"/>
+          </a:xfrm>
+          <a:prstGeom prst="rect">
+            <a:avLst/>
+          </a:prstGeom>
+        </p:spPr>
+      </p:pic>
+      <p:pic>
+        <p:nvPicPr>
+          <p:cNvPr id="5" name="圖片 4" descr="compare_syringe_force_travel_20170224_2ndsyringe_3rdtrial_3rdsyringe_3rdtrial_5ml_70mm-min_0um.png"/>
+          <p:cNvPicPr>
+            <a:picLocks noChangeAspect="1"/>
+          </p:cNvPicPr>
+          <p:nvPr/>
+        </p:nvPicPr>
+        <p:blipFill>
+          <a:blip r:embed="rId5">
+            <a:extLst>
+              <a:ext uri="{28A0092B-C50C-407E-A947-70E740481C1C}">
+                <a14:useLocalDpi xmlns:a14="http://schemas.microsoft.com/office/drawing/2010/main" val="0"/>
+              </a:ext>
+            </a:extLst>
+          </a:blip>
+          <a:stretch>
+            <a:fillRect/>
+          </a:stretch>
+        </p:blipFill>
+        <p:spPr>
+          <a:xfrm>
+            <a:off x="4364566" y="3393000"/>
+            <a:ext cx="5040000" cy="3465000"/>
+          </a:xfrm>
+          <a:prstGeom prst="rect">
+            <a:avLst/>
+          </a:prstGeom>
+        </p:spPr>
+      </p:pic>
     </p:spTree>
     <p:extLst>
       <p:ext uri="{BB962C8B-B14F-4D97-AF65-F5344CB8AC3E}">
@@ -4418,7 +4462,7 @@
   <p:timing>
     <p:tnLst>
       <p:par>
-        <p:cTn id="1" dur="indefinite" restart="never" nodeType="tmRoot"/>
+        <p:cTn xmlns:p14="http://schemas.microsoft.com/office/powerpoint/2010/main" id="1" dur="indefinite" restart="never" nodeType="tmRoot"/>
       </p:par>
     </p:tnLst>
   </p:timing>
@@ -4553,7 +4597,7 @@
   <p:timing>
     <p:tnLst>
       <p:par>
-        <p:cTn id="1" dur="indefinite" restart="never" nodeType="tmRoot"/>
+        <p:cTn xmlns:p14="http://schemas.microsoft.com/office/powerpoint/2010/main" id="1" dur="indefinite" restart="never" nodeType="tmRoot"/>
       </p:par>
     </p:tnLst>
   </p:timing>
@@ -4688,7 +4732,7 @@
   <p:timing>
     <p:tnLst>
       <p:par>
-        <p:cTn id="1" dur="indefinite" restart="never" nodeType="tmRoot"/>
+        <p:cTn xmlns:p14="http://schemas.microsoft.com/office/powerpoint/2010/main" id="1" dur="indefinite" restart="never" nodeType="tmRoot"/>
       </p:par>
     </p:tnLst>
   </p:timing>
@@ -4744,14 +4788,14 @@
       </p:pic>
       <p:pic>
         <p:nvPicPr>
-          <p:cNvPr id="3" name="圖片 2" descr="compare_syringe_flow_20170224_3rdsyringe_6thtrial_3rdsyringe_1sttrial_5ml_70mm-min_0um.png"/>
+          <p:cNvPr id="4" name="圖片 3" descr="compare_syringe_flow_20170224_3rdsyringe_1sttrial_3rdsyringe_6thtrial_5ml_70mm-min_0um.png"/>
           <p:cNvPicPr>
             <a:picLocks noChangeAspect="1"/>
           </p:cNvPicPr>
           <p:nvPr/>
         </p:nvPicPr>
         <p:blipFill>
-          <a:blip r:embed="rId3" cstate="print">
+          <a:blip r:embed="rId3">
             <a:extLst>
               <a:ext uri="{28A0092B-C50C-407E-A947-70E740481C1C}">
                 <a14:useLocalDpi xmlns:a14="http://schemas.microsoft.com/office/drawing/2010/main" val="0"/>
@@ -4764,8 +4808,8 @@
         </p:blipFill>
         <p:spPr>
           <a:xfrm>
-            <a:off x="-1" y="0"/>
-            <a:ext cx="5029200" cy="3457576"/>
+            <a:off x="0" y="0"/>
+            <a:ext cx="5040000" cy="3465000"/>
           </a:xfrm>
           <a:prstGeom prst="rect">
             <a:avLst/>
@@ -4828,7 +4872,7 @@
     </a:clrScheme>
     <a:fontScheme name="Office Theme">
       <a:majorFont>
-        <a:latin typeface="Calibri Light" panose="020F0302020204030204"/>
+        <a:latin typeface="Calibri Light"/>
         <a:ea typeface=""/>
         <a:cs typeface=""/>
         <a:font script="Jpan" typeface="游ゴシック Light"/>
@@ -4863,7 +4907,7 @@
         <a:font script="Geor" typeface="Sylfaen"/>
       </a:majorFont>
       <a:minorFont>
-        <a:latin typeface="Calibri" panose="020F0502020204030204"/>
+        <a:latin typeface="Calibri"/>
         <a:ea typeface=""/>
         <a:cs typeface=""/>
         <a:font script="Jpan" typeface="游ゴシック"/>
@@ -5040,7 +5084,7 @@
   <a:extraClrSchemeLst/>
   <a:extLst>
     <a:ext uri="{05A4C25C-085E-4340-85A3-A5531E510DB2}">
-      <thm15:themeFamily xmlns:thm15="http://schemas.microsoft.com/office/thememl/2012/main" name="Office Theme" id="{62F939B6-93AF-4DB8-9C6B-D6C7DFDC589F}" vid="{4A3C46E8-61CC-4603-A589-7422A47A8E4A}"/>
+      <thm15:themeFamily xmlns:thm15="http://schemas.microsoft.com/office/thememl/2012/main" xmlns="" name="Office Theme" id="{62F939B6-93AF-4DB8-9C6B-D6C7DFDC589F}" vid="{4A3C46E8-61CC-4603-A589-7422A47A8E4A}"/>
     </a:ext>
   </a:extLst>
 </a:theme>

--- a/20170224data_slides_2.pptx
+++ b/20170224data_slides_2.pptx
@@ -118,7 +118,7 @@
   </p:defaultTextStyle>
   <p:extLst>
     <p:ext uri="{EFAFB233-063F-42B5-8137-9DF3F51BA10A}">
-      <p15:sldGuideLst xmlns:p15="http://schemas.microsoft.com/office/powerpoint/2012/main" xmlns="">
+      <p15:sldGuideLst xmlns:p15="http://schemas.microsoft.com/office/powerpoint/2012/main">
         <p15:guide id="1" orient="horz" pos="2160" userDrawn="1">
           <p15:clr>
             <a:srgbClr val="A4A3A4"/>
@@ -217,7 +217,7 @@
           <a:p>
             <a:fld id="{FF81B80E-AC28-0449-B7CD-9ED0D45851BA}" type="datetimeFigureOut">
               <a:rPr kumimoji="1" lang="zh-TW" altLang="en-US" smtClean="0"/>
-              <a:t>3/2/17</a:t>
+              <a:t>2017/3/2</a:t>
             </a:fld>
             <a:endParaRPr kumimoji="1" lang="zh-TW" altLang="en-US"/>
           </a:p>
@@ -755,7 +755,7 @@
           <a:p>
             <a:fld id="{27C78BFA-AE4B-4240-94B5-3BA327B38241}" type="datetimeFigureOut">
               <a:rPr lang="en-US" smtClean="0"/>
-              <a:t>3/2/17</a:t>
+              <a:t>3/2/2017</a:t>
             </a:fld>
             <a:endParaRPr lang="en-US"/>
           </a:p>
@@ -925,7 +925,7 @@
           <a:p>
             <a:fld id="{27C78BFA-AE4B-4240-94B5-3BA327B38241}" type="datetimeFigureOut">
               <a:rPr lang="en-US" smtClean="0"/>
-              <a:t>3/2/17</a:t>
+              <a:t>3/2/2017</a:t>
             </a:fld>
             <a:endParaRPr lang="en-US"/>
           </a:p>
@@ -1105,7 +1105,7 @@
           <a:p>
             <a:fld id="{27C78BFA-AE4B-4240-94B5-3BA327B38241}" type="datetimeFigureOut">
               <a:rPr lang="en-US" smtClean="0"/>
-              <a:t>3/2/17</a:t>
+              <a:t>3/2/2017</a:t>
             </a:fld>
             <a:endParaRPr lang="en-US"/>
           </a:p>
@@ -1275,7 +1275,7 @@
           <a:p>
             <a:fld id="{27C78BFA-AE4B-4240-94B5-3BA327B38241}" type="datetimeFigureOut">
               <a:rPr lang="en-US" smtClean="0"/>
-              <a:t>3/2/17</a:t>
+              <a:t>3/2/2017</a:t>
             </a:fld>
             <a:endParaRPr lang="en-US"/>
           </a:p>
@@ -1519,7 +1519,7 @@
           <a:p>
             <a:fld id="{27C78BFA-AE4B-4240-94B5-3BA327B38241}" type="datetimeFigureOut">
               <a:rPr lang="en-US" smtClean="0"/>
-              <a:t>3/2/17</a:t>
+              <a:t>3/2/2017</a:t>
             </a:fld>
             <a:endParaRPr lang="en-US"/>
           </a:p>
@@ -1751,7 +1751,7 @@
           <a:p>
             <a:fld id="{27C78BFA-AE4B-4240-94B5-3BA327B38241}" type="datetimeFigureOut">
               <a:rPr lang="en-US" smtClean="0"/>
-              <a:t>3/2/17</a:t>
+              <a:t>3/2/2017</a:t>
             </a:fld>
             <a:endParaRPr lang="en-US"/>
           </a:p>
@@ -2118,7 +2118,7 @@
           <a:p>
             <a:fld id="{27C78BFA-AE4B-4240-94B5-3BA327B38241}" type="datetimeFigureOut">
               <a:rPr lang="en-US" smtClean="0"/>
-              <a:t>3/2/17</a:t>
+              <a:t>3/2/2017</a:t>
             </a:fld>
             <a:endParaRPr lang="en-US"/>
           </a:p>
@@ -2236,7 +2236,7 @@
           <a:p>
             <a:fld id="{27C78BFA-AE4B-4240-94B5-3BA327B38241}" type="datetimeFigureOut">
               <a:rPr lang="en-US" smtClean="0"/>
-              <a:t>3/2/17</a:t>
+              <a:t>3/2/2017</a:t>
             </a:fld>
             <a:endParaRPr lang="en-US"/>
           </a:p>
@@ -2331,7 +2331,7 @@
           <a:p>
             <a:fld id="{27C78BFA-AE4B-4240-94B5-3BA327B38241}" type="datetimeFigureOut">
               <a:rPr lang="en-US" smtClean="0"/>
-              <a:t>3/2/17</a:t>
+              <a:t>3/2/2017</a:t>
             </a:fld>
             <a:endParaRPr lang="en-US"/>
           </a:p>
@@ -2608,7 +2608,7 @@
           <a:p>
             <a:fld id="{27C78BFA-AE4B-4240-94B5-3BA327B38241}" type="datetimeFigureOut">
               <a:rPr lang="en-US" smtClean="0"/>
-              <a:t>3/2/17</a:t>
+              <a:t>3/2/2017</a:t>
             </a:fld>
             <a:endParaRPr lang="en-US"/>
           </a:p>
@@ -2865,7 +2865,7 @@
           <a:p>
             <a:fld id="{27C78BFA-AE4B-4240-94B5-3BA327B38241}" type="datetimeFigureOut">
               <a:rPr lang="en-US" smtClean="0"/>
-              <a:t>3/2/17</a:t>
+              <a:t>3/2/2017</a:t>
             </a:fld>
             <a:endParaRPr lang="en-US"/>
           </a:p>
@@ -3078,7 +3078,7 @@
           <a:p>
             <a:fld id="{27C78BFA-AE4B-4240-94B5-3BA327B38241}" type="datetimeFigureOut">
               <a:rPr lang="en-US" smtClean="0"/>
-              <a:t>3/2/17</a:t>
+              <a:t>3/2/2017</a:t>
             </a:fld>
             <a:endParaRPr lang="en-US"/>
           </a:p>
@@ -3534,7 +3534,7 @@
   <p:timing>
     <p:tnLst>
       <p:par>
-        <p:cTn xmlns:p14="http://schemas.microsoft.com/office/powerpoint/2010/main" id="1" dur="indefinite" restart="never" nodeType="tmRoot"/>
+        <p:cTn id="1" dur="indefinite" restart="never" nodeType="tmRoot"/>
       </p:par>
     </p:tnLst>
   </p:timing>
@@ -4305,7 +4305,7 @@
   <p:timing>
     <p:tnLst>
       <p:par>
-        <p:cTn xmlns:p14="http://schemas.microsoft.com/office/powerpoint/2010/main" id="1" dur="indefinite" restart="never" nodeType="tmRoot"/>
+        <p:cTn id="1" dur="indefinite" restart="never" nodeType="tmRoot"/>
       </p:par>
     </p:tnLst>
   </p:timing>
@@ -4351,7 +4351,7 @@
         </p:blipFill>
         <p:spPr>
           <a:xfrm>
-            <a:off x="0" y="3400424"/>
+            <a:off x="-146757" y="3400424"/>
             <a:ext cx="5029200" cy="3457576"/>
           </a:xfrm>
           <a:prstGeom prst="rect">
@@ -4381,7 +4381,7 @@
         </p:blipFill>
         <p:spPr>
           <a:xfrm>
-            <a:off x="0" y="0"/>
+            <a:off x="-146757" y="0"/>
             <a:ext cx="5029200" cy="3457575"/>
           </a:xfrm>
           <a:prstGeom prst="rect">
@@ -4411,7 +4411,7 @@
         </p:blipFill>
         <p:spPr>
           <a:xfrm>
-            <a:off x="4470400" y="0"/>
+            <a:off x="4539326" y="0"/>
             <a:ext cx="5040000" cy="3465000"/>
           </a:xfrm>
           <a:prstGeom prst="rect">
@@ -4441,7 +4441,7 @@
         </p:blipFill>
         <p:spPr>
           <a:xfrm>
-            <a:off x="4364566" y="3393000"/>
+            <a:off x="4550126" y="3400424"/>
             <a:ext cx="5040000" cy="3465000"/>
           </a:xfrm>
           <a:prstGeom prst="rect">
@@ -4462,7 +4462,7 @@
   <p:timing>
     <p:tnLst>
       <p:par>
-        <p:cTn xmlns:p14="http://schemas.microsoft.com/office/powerpoint/2010/main" id="1" dur="indefinite" restart="never" nodeType="tmRoot"/>
+        <p:cTn id="1" dur="indefinite" restart="never" nodeType="tmRoot"/>
       </p:par>
     </p:tnLst>
   </p:timing>
@@ -4597,7 +4597,7 @@
   <p:timing>
     <p:tnLst>
       <p:par>
-        <p:cTn xmlns:p14="http://schemas.microsoft.com/office/powerpoint/2010/main" id="1" dur="indefinite" restart="never" nodeType="tmRoot"/>
+        <p:cTn id="1" dur="indefinite" restart="never" nodeType="tmRoot"/>
       </p:par>
     </p:tnLst>
   </p:timing>
@@ -4732,7 +4732,7 @@
   <p:timing>
     <p:tnLst>
       <p:par>
-        <p:cTn xmlns:p14="http://schemas.microsoft.com/office/powerpoint/2010/main" id="1" dur="indefinite" restart="never" nodeType="tmRoot"/>
+        <p:cTn id="1" dur="indefinite" restart="never" nodeType="tmRoot"/>
       </p:par>
     </p:tnLst>
   </p:timing>
@@ -5084,7 +5084,7 @@
   <a:extraClrSchemeLst/>
   <a:extLst>
     <a:ext uri="{05A4C25C-085E-4340-85A3-A5531E510DB2}">
-      <thm15:themeFamily xmlns:thm15="http://schemas.microsoft.com/office/thememl/2012/main" xmlns="" name="Office Theme" id="{62F939B6-93AF-4DB8-9C6B-D6C7DFDC589F}" vid="{4A3C46E8-61CC-4603-A589-7422A47A8E4A}"/>
+      <thm15:themeFamily xmlns:thm15="http://schemas.microsoft.com/office/thememl/2012/main" name="Office Theme" id="{62F939B6-93AF-4DB8-9C6B-D6C7DFDC589F}" vid="{4A3C46E8-61CC-4603-A589-7422A47A8E4A}"/>
     </a:ext>
   </a:extLst>
 </a:theme>

--- a/20170224data_slides_2.pptx
+++ b/20170224data_slides_2.pptx
@@ -118,7 +118,7 @@
   </p:defaultTextStyle>
   <p:extLst>
     <p:ext uri="{EFAFB233-063F-42B5-8137-9DF3F51BA10A}">
-      <p15:sldGuideLst xmlns:p15="http://schemas.microsoft.com/office/powerpoint/2012/main">
+      <p15:sldGuideLst xmlns:p15="http://schemas.microsoft.com/office/powerpoint/2012/main" xmlns="">
         <p15:guide id="1" orient="horz" pos="2160" userDrawn="1">
           <p15:clr>
             <a:srgbClr val="A4A3A4"/>
@@ -217,7 +217,7 @@
           <a:p>
             <a:fld id="{FF81B80E-AC28-0449-B7CD-9ED0D45851BA}" type="datetimeFigureOut">
               <a:rPr kumimoji="1" lang="zh-TW" altLang="en-US" smtClean="0"/>
-              <a:t>2017/3/2</a:t>
+              <a:t>3/2/17</a:t>
             </a:fld>
             <a:endParaRPr kumimoji="1" lang="zh-TW" altLang="en-US"/>
           </a:p>
@@ -755,7 +755,7 @@
           <a:p>
             <a:fld id="{27C78BFA-AE4B-4240-94B5-3BA327B38241}" type="datetimeFigureOut">
               <a:rPr lang="en-US" smtClean="0"/>
-              <a:t>3/2/2017</a:t>
+              <a:t>3/2/17</a:t>
             </a:fld>
             <a:endParaRPr lang="en-US"/>
           </a:p>
@@ -925,7 +925,7 @@
           <a:p>
             <a:fld id="{27C78BFA-AE4B-4240-94B5-3BA327B38241}" type="datetimeFigureOut">
               <a:rPr lang="en-US" smtClean="0"/>
-              <a:t>3/2/2017</a:t>
+              <a:t>3/2/17</a:t>
             </a:fld>
             <a:endParaRPr lang="en-US"/>
           </a:p>
@@ -1105,7 +1105,7 @@
           <a:p>
             <a:fld id="{27C78BFA-AE4B-4240-94B5-3BA327B38241}" type="datetimeFigureOut">
               <a:rPr lang="en-US" smtClean="0"/>
-              <a:t>3/2/2017</a:t>
+              <a:t>3/2/17</a:t>
             </a:fld>
             <a:endParaRPr lang="en-US"/>
           </a:p>
@@ -1275,7 +1275,7 @@
           <a:p>
             <a:fld id="{27C78BFA-AE4B-4240-94B5-3BA327B38241}" type="datetimeFigureOut">
               <a:rPr lang="en-US" smtClean="0"/>
-              <a:t>3/2/2017</a:t>
+              <a:t>3/2/17</a:t>
             </a:fld>
             <a:endParaRPr lang="en-US"/>
           </a:p>
@@ -1519,7 +1519,7 @@
           <a:p>
             <a:fld id="{27C78BFA-AE4B-4240-94B5-3BA327B38241}" type="datetimeFigureOut">
               <a:rPr lang="en-US" smtClean="0"/>
-              <a:t>3/2/2017</a:t>
+              <a:t>3/2/17</a:t>
             </a:fld>
             <a:endParaRPr lang="en-US"/>
           </a:p>
@@ -1751,7 +1751,7 @@
           <a:p>
             <a:fld id="{27C78BFA-AE4B-4240-94B5-3BA327B38241}" type="datetimeFigureOut">
               <a:rPr lang="en-US" smtClean="0"/>
-              <a:t>3/2/2017</a:t>
+              <a:t>3/2/17</a:t>
             </a:fld>
             <a:endParaRPr lang="en-US"/>
           </a:p>
@@ -2118,7 +2118,7 @@
           <a:p>
             <a:fld id="{27C78BFA-AE4B-4240-94B5-3BA327B38241}" type="datetimeFigureOut">
               <a:rPr lang="en-US" smtClean="0"/>
-              <a:t>3/2/2017</a:t>
+              <a:t>3/2/17</a:t>
             </a:fld>
             <a:endParaRPr lang="en-US"/>
           </a:p>
@@ -2236,7 +2236,7 @@
           <a:p>
             <a:fld id="{27C78BFA-AE4B-4240-94B5-3BA327B38241}" type="datetimeFigureOut">
               <a:rPr lang="en-US" smtClean="0"/>
-              <a:t>3/2/2017</a:t>
+              <a:t>3/2/17</a:t>
             </a:fld>
             <a:endParaRPr lang="en-US"/>
           </a:p>
@@ -2331,7 +2331,7 @@
           <a:p>
             <a:fld id="{27C78BFA-AE4B-4240-94B5-3BA327B38241}" type="datetimeFigureOut">
               <a:rPr lang="en-US" smtClean="0"/>
-              <a:t>3/2/2017</a:t>
+              <a:t>3/2/17</a:t>
             </a:fld>
             <a:endParaRPr lang="en-US"/>
           </a:p>
@@ -2608,7 +2608,7 @@
           <a:p>
             <a:fld id="{27C78BFA-AE4B-4240-94B5-3BA327B38241}" type="datetimeFigureOut">
               <a:rPr lang="en-US" smtClean="0"/>
-              <a:t>3/2/2017</a:t>
+              <a:t>3/2/17</a:t>
             </a:fld>
             <a:endParaRPr lang="en-US"/>
           </a:p>
@@ -2865,7 +2865,7 @@
           <a:p>
             <a:fld id="{27C78BFA-AE4B-4240-94B5-3BA327B38241}" type="datetimeFigureOut">
               <a:rPr lang="en-US" smtClean="0"/>
-              <a:t>3/2/2017</a:t>
+              <a:t>3/2/17</a:t>
             </a:fld>
             <a:endParaRPr lang="en-US"/>
           </a:p>
@@ -3078,7 +3078,7 @@
           <a:p>
             <a:fld id="{27C78BFA-AE4B-4240-94B5-3BA327B38241}" type="datetimeFigureOut">
               <a:rPr lang="en-US" smtClean="0"/>
-              <a:t>3/2/2017</a:t>
+              <a:t>3/2/17</a:t>
             </a:fld>
             <a:endParaRPr lang="en-US"/>
           </a:p>
@@ -3534,7 +3534,7 @@
   <p:timing>
     <p:tnLst>
       <p:par>
-        <p:cTn id="1" dur="indefinite" restart="never" nodeType="tmRoot"/>
+        <p:cTn xmlns:p14="http://schemas.microsoft.com/office/powerpoint/2010/main" id="1" dur="indefinite" restart="never" nodeType="tmRoot"/>
       </p:par>
     </p:tnLst>
   </p:timing>
@@ -3560,7 +3560,7 @@
       </p:grpSpPr>
       <p:pic>
         <p:nvPicPr>
-          <p:cNvPr id="2" name="Picture 1"/>
+          <p:cNvPr id="4" name="Picture 3"/>
           <p:cNvPicPr>
             <a:picLocks noChangeAspect="1"/>
           </p:cNvPicPr>
@@ -3580,7 +3580,7 @@
         </p:blipFill>
         <p:spPr>
           <a:xfrm>
-            <a:off x="970844" y="349956"/>
+            <a:off x="970844" y="3635022"/>
             <a:ext cx="3657600" cy="2743200"/>
           </a:xfrm>
           <a:prstGeom prst="rect">
@@ -3590,7 +3590,7 @@
       </p:pic>
       <p:pic>
         <p:nvPicPr>
-          <p:cNvPr id="3" name="Picture 2"/>
+          <p:cNvPr id="5" name="Picture 4"/>
           <p:cNvPicPr>
             <a:picLocks noChangeAspect="1"/>
           </p:cNvPicPr>
@@ -3610,7 +3610,7 @@
         </p:blipFill>
         <p:spPr>
           <a:xfrm>
-            <a:off x="4628444" y="349956"/>
+            <a:off x="4628444" y="3635022"/>
             <a:ext cx="3657600" cy="2743200"/>
           </a:xfrm>
           <a:prstGeom prst="rect">
@@ -3618,9 +3618,177 @@
           </a:prstGeom>
         </p:spPr>
       </p:pic>
+      <p:sp>
+        <p:nvSpPr>
+          <p:cNvPr id="6" name="TextBox 5"/>
+          <p:cNvSpPr txBox="1"/>
+          <p:nvPr/>
+        </p:nvSpPr>
+        <p:spPr>
+          <a:xfrm>
+            <a:off x="2006158" y="3093156"/>
+            <a:ext cx="1489373" cy="369332"/>
+          </a:xfrm>
+          <a:prstGeom prst="rect">
+            <a:avLst/>
+          </a:prstGeom>
+          <a:noFill/>
+        </p:spPr>
+        <p:txBody>
+          <a:bodyPr wrap="none" rtlCol="0">
+            <a:spAutoFit/>
+          </a:bodyPr>
+          <a:lstStyle/>
+          <a:p>
+            <a:r>
+              <a:rPr lang="en-US" dirty="0" smtClean="0"/>
+              <a:t>Before </a:t>
+            </a:r>
+            <a:r>
+              <a:rPr lang="en-US" dirty="0" smtClean="0"/>
+              <a:t>7</a:t>
+            </a:r>
+            <a:r>
+              <a:rPr lang="en-US" baseline="30000" dirty="0" smtClean="0"/>
+              <a:t>th</a:t>
+            </a:r>
+            <a:r>
+              <a:rPr lang="en-US" dirty="0" smtClean="0"/>
+              <a:t> </a:t>
+            </a:r>
+            <a:r>
+              <a:rPr lang="en-US" dirty="0" smtClean="0"/>
+              <a:t>run </a:t>
+            </a:r>
+            <a:endParaRPr lang="en-US" dirty="0"/>
+          </a:p>
+        </p:txBody>
+      </p:sp>
+      <p:sp>
+        <p:nvSpPr>
+          <p:cNvPr id="7" name="TextBox 6"/>
+          <p:cNvSpPr txBox="1"/>
+          <p:nvPr/>
+        </p:nvSpPr>
+        <p:spPr>
+          <a:xfrm>
+            <a:off x="5861504" y="3093156"/>
+            <a:ext cx="1332479" cy="369332"/>
+          </a:xfrm>
+          <a:prstGeom prst="rect">
+            <a:avLst/>
+          </a:prstGeom>
+          <a:noFill/>
+        </p:spPr>
+        <p:txBody>
+          <a:bodyPr wrap="none" rtlCol="0">
+            <a:spAutoFit/>
+          </a:bodyPr>
+          <a:lstStyle/>
+          <a:p>
+            <a:r>
+              <a:rPr lang="en-US" dirty="0" smtClean="0"/>
+              <a:t>After </a:t>
+            </a:r>
+            <a:r>
+              <a:rPr lang="en-US" dirty="0"/>
+              <a:t>7</a:t>
+            </a:r>
+            <a:r>
+              <a:rPr lang="en-US" baseline="30000" dirty="0" smtClean="0"/>
+              <a:t>th</a:t>
+            </a:r>
+            <a:r>
+              <a:rPr lang="en-US" dirty="0" smtClean="0"/>
+              <a:t> </a:t>
+            </a:r>
+            <a:r>
+              <a:rPr lang="en-US" dirty="0" smtClean="0"/>
+              <a:t>run </a:t>
+            </a:r>
+            <a:endParaRPr lang="en-US" dirty="0"/>
+          </a:p>
+        </p:txBody>
+      </p:sp>
+      <p:sp>
+        <p:nvSpPr>
+          <p:cNvPr id="8" name="TextBox 7"/>
+          <p:cNvSpPr txBox="1"/>
+          <p:nvPr/>
+        </p:nvSpPr>
+        <p:spPr>
+          <a:xfrm>
+            <a:off x="2006157" y="6366090"/>
+            <a:ext cx="1586973" cy="369332"/>
+          </a:xfrm>
+          <a:prstGeom prst="rect">
+            <a:avLst/>
+          </a:prstGeom>
+          <a:noFill/>
+        </p:spPr>
+        <p:txBody>
+          <a:bodyPr wrap="none" rtlCol="0">
+            <a:spAutoFit/>
+          </a:bodyPr>
+          <a:lstStyle/>
+          <a:p>
+            <a:r>
+              <a:rPr lang="en-US" dirty="0" smtClean="0"/>
+              <a:t>Before 8</a:t>
+            </a:r>
+            <a:r>
+              <a:rPr lang="en-US" baseline="30000" dirty="0" smtClean="0"/>
+              <a:t>th</a:t>
+            </a:r>
+            <a:r>
+              <a:rPr lang="en-US" dirty="0" smtClean="0"/>
+              <a:t> run </a:t>
+            </a:r>
+            <a:endParaRPr lang="en-US" dirty="0"/>
+          </a:p>
+        </p:txBody>
+      </p:sp>
+      <p:sp>
+        <p:nvSpPr>
+          <p:cNvPr id="9" name="TextBox 8"/>
+          <p:cNvSpPr txBox="1"/>
+          <p:nvPr/>
+        </p:nvSpPr>
+        <p:spPr>
+          <a:xfrm>
+            <a:off x="5717475" y="6378222"/>
+            <a:ext cx="1389226" cy="369332"/>
+          </a:xfrm>
+          <a:prstGeom prst="rect">
+            <a:avLst/>
+          </a:prstGeom>
+          <a:noFill/>
+        </p:spPr>
+        <p:txBody>
+          <a:bodyPr wrap="none" rtlCol="0">
+            <a:spAutoFit/>
+          </a:bodyPr>
+          <a:lstStyle/>
+          <a:p>
+            <a:r>
+              <a:rPr lang="en-US" dirty="0" smtClean="0"/>
+              <a:t>After 8</a:t>
+            </a:r>
+            <a:r>
+              <a:rPr lang="en-US" baseline="30000" dirty="0" smtClean="0"/>
+              <a:t>th</a:t>
+            </a:r>
+            <a:r>
+              <a:rPr lang="en-US" dirty="0" smtClean="0"/>
+              <a:t> run </a:t>
+            </a:r>
+            <a:endParaRPr lang="en-US" dirty="0"/>
+          </a:p>
+        </p:txBody>
+      </p:sp>
       <p:pic>
         <p:nvPicPr>
-          <p:cNvPr id="4" name="Picture 3"/>
+          <p:cNvPr id="10" name="圖片 9" descr="20170224_5ml_70mm-min_0um_3rd_syringe_7th_pre_1.jpg"/>
           <p:cNvPicPr>
             <a:picLocks noChangeAspect="1"/>
           </p:cNvPicPr>
@@ -3640,8 +3808,8 @@
         </p:blipFill>
         <p:spPr>
           <a:xfrm>
-            <a:off x="970844" y="3635022"/>
-            <a:ext cx="3657600" cy="2743200"/>
+            <a:off x="953459" y="330499"/>
+            <a:ext cx="3672000" cy="2754000"/>
           </a:xfrm>
           <a:prstGeom prst="rect">
             <a:avLst/>
@@ -3650,7 +3818,7 @@
       </p:pic>
       <p:pic>
         <p:nvPicPr>
-          <p:cNvPr id="5" name="Picture 4"/>
+          <p:cNvPr id="12" name="圖片 11" descr="20170224_5ml_70mm-min_0um_3rd_syringe_7th_post_2.jpg"/>
           <p:cNvPicPr>
             <a:picLocks noChangeAspect="1"/>
           </p:cNvPicPr>
@@ -3670,166 +3838,14 @@
         </p:blipFill>
         <p:spPr>
           <a:xfrm>
-            <a:off x="4628444" y="3635022"/>
-            <a:ext cx="3657600" cy="2743200"/>
+            <a:off x="4612386" y="334264"/>
+            <a:ext cx="3672000" cy="2754000"/>
           </a:xfrm>
           <a:prstGeom prst="rect">
             <a:avLst/>
           </a:prstGeom>
         </p:spPr>
       </p:pic>
-      <p:sp>
-        <p:nvSpPr>
-          <p:cNvPr id="6" name="TextBox 5"/>
-          <p:cNvSpPr txBox="1"/>
-          <p:nvPr/>
-        </p:nvSpPr>
-        <p:spPr>
-          <a:xfrm>
-            <a:off x="2006158" y="3093156"/>
-            <a:ext cx="1586973" cy="369332"/>
-          </a:xfrm>
-          <a:prstGeom prst="rect">
-            <a:avLst/>
-          </a:prstGeom>
-          <a:noFill/>
-        </p:spPr>
-        <p:txBody>
-          <a:bodyPr wrap="none" rtlCol="0">
-            <a:spAutoFit/>
-          </a:bodyPr>
-          <a:lstStyle/>
-          <a:p>
-            <a:r>
-              <a:rPr lang="en-US" dirty="0" smtClean="0"/>
-              <a:t>Before 6</a:t>
-            </a:r>
-            <a:r>
-              <a:rPr lang="en-US" baseline="30000" dirty="0" smtClean="0"/>
-              <a:t>th</a:t>
-            </a:r>
-            <a:r>
-              <a:rPr lang="en-US" dirty="0" smtClean="0"/>
-              <a:t> run </a:t>
-            </a:r>
-            <a:endParaRPr lang="en-US" dirty="0"/>
-          </a:p>
-        </p:txBody>
-      </p:sp>
-      <p:sp>
-        <p:nvSpPr>
-          <p:cNvPr id="7" name="TextBox 6"/>
-          <p:cNvSpPr txBox="1"/>
-          <p:nvPr/>
-        </p:nvSpPr>
-        <p:spPr>
-          <a:xfrm>
-            <a:off x="5861504" y="3093156"/>
-            <a:ext cx="1389226" cy="369332"/>
-          </a:xfrm>
-          <a:prstGeom prst="rect">
-            <a:avLst/>
-          </a:prstGeom>
-          <a:noFill/>
-        </p:spPr>
-        <p:txBody>
-          <a:bodyPr wrap="none" rtlCol="0">
-            <a:spAutoFit/>
-          </a:bodyPr>
-          <a:lstStyle/>
-          <a:p>
-            <a:r>
-              <a:rPr lang="en-US" dirty="0" smtClean="0"/>
-              <a:t>After 6</a:t>
-            </a:r>
-            <a:r>
-              <a:rPr lang="en-US" baseline="30000" dirty="0" smtClean="0"/>
-              <a:t>th</a:t>
-            </a:r>
-            <a:r>
-              <a:rPr lang="en-US" dirty="0" smtClean="0"/>
-              <a:t> run </a:t>
-            </a:r>
-            <a:endParaRPr lang="en-US" dirty="0"/>
-          </a:p>
-        </p:txBody>
-      </p:sp>
-      <p:sp>
-        <p:nvSpPr>
-          <p:cNvPr id="8" name="TextBox 7"/>
-          <p:cNvSpPr txBox="1"/>
-          <p:nvPr/>
-        </p:nvSpPr>
-        <p:spPr>
-          <a:xfrm>
-            <a:off x="2006157" y="6366090"/>
-            <a:ext cx="1586973" cy="369332"/>
-          </a:xfrm>
-          <a:prstGeom prst="rect">
-            <a:avLst/>
-          </a:prstGeom>
-          <a:noFill/>
-        </p:spPr>
-        <p:txBody>
-          <a:bodyPr wrap="none" rtlCol="0">
-            <a:spAutoFit/>
-          </a:bodyPr>
-          <a:lstStyle/>
-          <a:p>
-            <a:r>
-              <a:rPr lang="en-US" dirty="0" smtClean="0"/>
-              <a:t>Before 8</a:t>
-            </a:r>
-            <a:r>
-              <a:rPr lang="en-US" baseline="30000" dirty="0" smtClean="0"/>
-              <a:t>th</a:t>
-            </a:r>
-            <a:r>
-              <a:rPr lang="en-US" dirty="0" smtClean="0"/>
-              <a:t> run </a:t>
-            </a:r>
-            <a:endParaRPr lang="en-US" dirty="0"/>
-          </a:p>
-        </p:txBody>
-      </p:sp>
-      <p:sp>
-        <p:nvSpPr>
-          <p:cNvPr id="9" name="TextBox 8"/>
-          <p:cNvSpPr txBox="1"/>
-          <p:nvPr/>
-        </p:nvSpPr>
-        <p:spPr>
-          <a:xfrm>
-            <a:off x="5717475" y="6378222"/>
-            <a:ext cx="1389226" cy="369332"/>
-          </a:xfrm>
-          <a:prstGeom prst="rect">
-            <a:avLst/>
-          </a:prstGeom>
-          <a:noFill/>
-        </p:spPr>
-        <p:txBody>
-          <a:bodyPr wrap="none" rtlCol="0">
-            <a:spAutoFit/>
-          </a:bodyPr>
-          <a:lstStyle/>
-          <a:p>
-            <a:r>
-              <a:rPr lang="en-US" dirty="0" smtClean="0"/>
-              <a:t>After 8</a:t>
-            </a:r>
-            <a:r>
-              <a:rPr lang="en-US" baseline="30000" dirty="0" smtClean="0"/>
-              <a:t>th</a:t>
-            </a:r>
-            <a:r>
-              <a:rPr lang="en-US" dirty="0" smtClean="0"/>
-              <a:t> run </a:t>
-            </a:r>
-            <a:endParaRPr lang="en-US" dirty="0"/>
-          </a:p>
-        </p:txBody>
-      </p:sp>
     </p:spTree>
     <p:extLst>
       <p:ext uri="{BB962C8B-B14F-4D97-AF65-F5344CB8AC3E}">
@@ -3840,6 +3856,13 @@
   <p:clrMapOvr>
     <a:masterClrMapping/>
   </p:clrMapOvr>
+  <p:timing>
+    <p:tnLst>
+      <p:par>
+        <p:cTn xmlns:p14="http://schemas.microsoft.com/office/powerpoint/2010/main" id="1" dur="indefinite" restart="never" nodeType="tmRoot"/>
+      </p:par>
+    </p:tnLst>
+  </p:timing>
 </p:sld>
 </file>
 
@@ -3943,6 +3966,13 @@
   <p:clrMapOvr>
     <a:masterClrMapping/>
   </p:clrMapOvr>
+  <p:timing>
+    <p:tnLst>
+      <p:par>
+        <p:cTn xmlns:p14="http://schemas.microsoft.com/office/powerpoint/2010/main" id="1" dur="indefinite" restart="never" nodeType="tmRoot"/>
+      </p:par>
+    </p:tnLst>
+  </p:timing>
 </p:sld>
 </file>
 
@@ -4046,6 +4076,13 @@
   <p:clrMapOvr>
     <a:masterClrMapping/>
   </p:clrMapOvr>
+  <p:timing>
+    <p:tnLst>
+      <p:par>
+        <p:cTn xmlns:p14="http://schemas.microsoft.com/office/powerpoint/2010/main" id="1" dur="indefinite" restart="never" nodeType="tmRoot"/>
+      </p:par>
+    </p:tnLst>
+  </p:timing>
 </p:sld>
 </file>
 
@@ -4174,6 +4211,13 @@
   <p:clrMapOvr>
     <a:masterClrMapping/>
   </p:clrMapOvr>
+  <p:timing>
+    <p:tnLst>
+      <p:par>
+        <p:cTn xmlns:p14="http://schemas.microsoft.com/office/powerpoint/2010/main" id="1" dur="indefinite" restart="never" nodeType="tmRoot"/>
+      </p:par>
+    </p:tnLst>
+  </p:timing>
 </p:sld>
 </file>
 
@@ -4305,7 +4349,7 @@
   <p:timing>
     <p:tnLst>
       <p:par>
-        <p:cTn id="1" dur="indefinite" restart="never" nodeType="tmRoot"/>
+        <p:cTn xmlns:p14="http://schemas.microsoft.com/office/powerpoint/2010/main" id="1" dur="indefinite" restart="never" nodeType="tmRoot"/>
       </p:par>
     </p:tnLst>
   </p:timing>
@@ -4462,7 +4506,7 @@
   <p:timing>
     <p:tnLst>
       <p:par>
-        <p:cTn id="1" dur="indefinite" restart="never" nodeType="tmRoot"/>
+        <p:cTn xmlns:p14="http://schemas.microsoft.com/office/powerpoint/2010/main" id="1" dur="indefinite" restart="never" nodeType="tmRoot"/>
       </p:par>
     </p:tnLst>
   </p:timing>
@@ -4597,7 +4641,7 @@
   <p:timing>
     <p:tnLst>
       <p:par>
-        <p:cTn id="1" dur="indefinite" restart="never" nodeType="tmRoot"/>
+        <p:cTn xmlns:p14="http://schemas.microsoft.com/office/powerpoint/2010/main" id="1" dur="indefinite" restart="never" nodeType="tmRoot"/>
       </p:par>
     </p:tnLst>
   </p:timing>
@@ -4732,7 +4776,7 @@
   <p:timing>
     <p:tnLst>
       <p:par>
-        <p:cTn id="1" dur="indefinite" restart="never" nodeType="tmRoot"/>
+        <p:cTn xmlns:p14="http://schemas.microsoft.com/office/powerpoint/2010/main" id="1" dur="indefinite" restart="never" nodeType="tmRoot"/>
       </p:par>
     </p:tnLst>
   </p:timing>
@@ -4778,7 +4822,7 @@
         </p:blipFill>
         <p:spPr>
           <a:xfrm>
-            <a:off x="-1" y="3400424"/>
+            <a:off x="2116671" y="3400424"/>
             <a:ext cx="5029200" cy="3457576"/>
           </a:xfrm>
           <a:prstGeom prst="rect">
@@ -4808,7 +4852,7 @@
         </p:blipFill>
         <p:spPr>
           <a:xfrm>
-            <a:off x="0" y="0"/>
+            <a:off x="2116672" y="0"/>
             <a:ext cx="5040000" cy="3465000"/>
           </a:xfrm>
           <a:prstGeom prst="rect">
@@ -4826,6 +4870,13 @@
   <p:clrMapOvr>
     <a:masterClrMapping/>
   </p:clrMapOvr>
+  <p:timing>
+    <p:tnLst>
+      <p:par>
+        <p:cTn xmlns:p14="http://schemas.microsoft.com/office/powerpoint/2010/main" id="1" dur="indefinite" restart="never" nodeType="tmRoot"/>
+      </p:par>
+    </p:tnLst>
+  </p:timing>
 </p:sld>
 </file>
 
@@ -5084,7 +5135,7 @@
   <a:extraClrSchemeLst/>
   <a:extLst>
     <a:ext uri="{05A4C25C-085E-4340-85A3-A5531E510DB2}">
-      <thm15:themeFamily xmlns:thm15="http://schemas.microsoft.com/office/thememl/2012/main" name="Office Theme" id="{62F939B6-93AF-4DB8-9C6B-D6C7DFDC589F}" vid="{4A3C46E8-61CC-4603-A589-7422A47A8E4A}"/>
+      <thm15:themeFamily xmlns:thm15="http://schemas.microsoft.com/office/thememl/2012/main" xmlns="" name="Office Theme" id="{62F939B6-93AF-4DB8-9C6B-D6C7DFDC589F}" vid="{4A3C46E8-61CC-4603-A589-7422A47A8E4A}"/>
     </a:ext>
   </a:extLst>
 </a:theme>

--- a/20170224data_slides_2.pptx
+++ b/20170224data_slides_2.pptx
@@ -535,43 +535,51 @@
           <a:lstStyle/>
           <a:p>
             <a:r>
-              <a:rPr kumimoji="1" lang="en-US" altLang="zh-TW" dirty="0" smtClean="0"/>
-              <a:t>Ramen spectroscopy</a:t>
-            </a:r>
-          </a:p>
-          <a:p>
-            <a:r>
-              <a:rPr kumimoji="1" lang="en-US" altLang="zh-TW" dirty="0" smtClean="0"/>
-              <a:t>Electrochemical</a:t>
-            </a:r>
-            <a:r>
               <a:rPr kumimoji="1" lang="en-US" altLang="zh-TW" baseline="0" dirty="0" smtClean="0"/>
-              <a:t> sensor </a:t>
+              <a:t>Used Mask glass coat </a:t>
             </a:r>
             <a:r>
               <a:rPr kumimoji="1" lang="en-US" altLang="zh-TW" baseline="0" dirty="0" err="1" smtClean="0"/>
-              <a:t>voltometry</a:t>
+              <a:t>parylene</a:t>
             </a:r>
             <a:endParaRPr kumimoji="1" lang="en-US" altLang="zh-TW" baseline="0" dirty="0" smtClean="0"/>
           </a:p>
           <a:p>
             <a:r>
               <a:rPr kumimoji="1" lang="en-US" altLang="zh-TW" baseline="0" dirty="0" smtClean="0"/>
-              <a:t>Dr. </a:t>
+              <a:t>Tilt and measure friction coefficient</a:t>
+            </a:r>
+          </a:p>
+          <a:p>
+            <a:r>
+              <a:rPr kumimoji="1" lang="en-US" altLang="zh-TW" baseline="0" dirty="0" smtClean="0"/>
+              <a:t>Plastic on PAC</a:t>
+            </a:r>
+          </a:p>
+          <a:p>
+            <a:r>
+              <a:rPr kumimoji="1" lang="en-US" altLang="zh-TW" baseline="0" dirty="0" smtClean="0"/>
+              <a:t>Rubber on plastic, </a:t>
             </a:r>
             <a:r>
               <a:rPr kumimoji="1" lang="en-US" altLang="zh-TW" baseline="0" dirty="0" err="1" smtClean="0"/>
-              <a:t>Choo</a:t>
+              <a:t>pac</a:t>
             </a:r>
             <a:r>
               <a:rPr kumimoji="1" lang="en-US" altLang="zh-TW" baseline="0" dirty="0" smtClean="0"/>
-              <a:t> group</a:t>
+              <a:t>, </a:t>
             </a:r>
           </a:p>
           <a:p>
             <a:endParaRPr kumimoji="1" lang="en-US" altLang="zh-TW" baseline="0" dirty="0" smtClean="0"/>
           </a:p>
           <a:p>
+            <a:r>
+              <a:rPr kumimoji="1" lang="en-US" altLang="zh-TW" baseline="0" dirty="0" smtClean="0"/>
+              <a:t>Find out the material of the syringe</a:t>
+            </a:r>
+          </a:p>
+          <a:p>
             <a:endParaRPr kumimoji="1" lang="en-US" altLang="zh-TW" baseline="0" dirty="0" smtClean="0"/>
           </a:p>
           <a:p>
@@ -580,7 +588,39 @@
           <a:p>
             <a:r>
               <a:rPr kumimoji="1" lang="en-US" altLang="zh-TW" baseline="0" dirty="0" smtClean="0"/>
-              <a:t>Constant pressure</a:t>
+              <a:t>Plastic plunger syringe</a:t>
+            </a:r>
+          </a:p>
+          <a:p>
+            <a:r>
+              <a:rPr kumimoji="1" lang="en-US" altLang="zh-TW" baseline="0" dirty="0" smtClean="0"/>
+              <a:t>Plastic rubber friction coefficient 1</a:t>
+            </a:r>
+          </a:p>
+          <a:p>
+            <a:endParaRPr kumimoji="1" lang="en-US" altLang="zh-TW" baseline="0" dirty="0" smtClean="0"/>
+          </a:p>
+          <a:p>
+            <a:endParaRPr kumimoji="1" lang="en-US" altLang="zh-TW" baseline="0" dirty="0" smtClean="0"/>
+          </a:p>
+          <a:p>
+            <a:r>
+              <a:rPr kumimoji="1" lang="en-US" altLang="zh-TW" baseline="0" dirty="0" smtClean="0"/>
+              <a:t>Plastic to rubber less PAC to rubber</a:t>
+            </a:r>
+            <a:endParaRPr kumimoji="1" lang="en-US" altLang="zh-TW" baseline="0" dirty="0" smtClean="0"/>
+          </a:p>
+          <a:p>
+            <a:endParaRPr kumimoji="1" lang="en-US" altLang="zh-TW" baseline="0" dirty="0" smtClean="0"/>
+          </a:p>
+          <a:p>
+            <a:r>
+              <a:rPr kumimoji="1" lang="en-US" altLang="zh-TW" baseline="0" dirty="0" smtClean="0"/>
+              <a:t>Flow meter </a:t>
+            </a:r>
+            <a:r>
+              <a:rPr kumimoji="1" lang="en-US" altLang="zh-TW" baseline="0" smtClean="0"/>
+              <a:t>measurement mechanism</a:t>
             </a:r>
           </a:p>
           <a:p>
@@ -615,6 +655,420 @@
     <p:extLst>
       <p:ext uri="{BB962C8B-B14F-4D97-AF65-F5344CB8AC3E}">
         <p14:creationId xmlns:p14="http://schemas.microsoft.com/office/powerpoint/2010/main" val="65837358"/>
+      </p:ext>
+    </p:extLst>
+  </p:cSld>
+  <p:clrMapOvr>
+    <a:masterClrMapping/>
+  </p:clrMapOvr>
+</p:notes>
+</file>
+
+<file path=ppt/notesSlides/notesSlide2.xml><?xml version="1.0" encoding="utf-8"?>
+<p:notes xmlns:a="http://schemas.openxmlformats.org/drawingml/2006/main" xmlns:r="http://schemas.openxmlformats.org/officeDocument/2006/relationships" xmlns:p="http://schemas.openxmlformats.org/presentationml/2006/main">
+  <p:cSld>
+    <p:spTree>
+      <p:nvGrpSpPr>
+        <p:cNvPr id="1" name=""/>
+        <p:cNvGrpSpPr/>
+        <p:nvPr/>
+      </p:nvGrpSpPr>
+      <p:grpSpPr>
+        <a:xfrm>
+          <a:off x="0" y="0"/>
+          <a:ext cx="0" cy="0"/>
+          <a:chOff x="0" y="0"/>
+          <a:chExt cx="0" cy="0"/>
+        </a:xfrm>
+      </p:grpSpPr>
+      <p:sp>
+        <p:nvSpPr>
+          <p:cNvPr id="2" name="投影片影像版面配置區 1"/>
+          <p:cNvSpPr>
+            <a:spLocks noGrp="1" noRot="1" noChangeAspect="1"/>
+          </p:cNvSpPr>
+          <p:nvPr>
+            <p:ph type="sldImg"/>
+          </p:nvPr>
+        </p:nvSpPr>
+        <p:spPr/>
+      </p:sp>
+      <p:sp>
+        <p:nvSpPr>
+          <p:cNvPr id="3" name="備忘稿版面配置區 2"/>
+          <p:cNvSpPr>
+            <a:spLocks noGrp="1"/>
+          </p:cNvSpPr>
+          <p:nvPr>
+            <p:ph type="body" idx="1"/>
+          </p:nvPr>
+        </p:nvSpPr>
+        <p:spPr/>
+        <p:txBody>
+          <a:bodyPr/>
+          <a:lstStyle/>
+          <a:p>
+            <a:r>
+              <a:rPr kumimoji="1" lang="en-US" altLang="zh-TW" dirty="0" smtClean="0"/>
+              <a:t>Zoom in the initial</a:t>
+            </a:r>
+            <a:r>
+              <a:rPr kumimoji="1" lang="en-US" altLang="zh-TW" baseline="0" dirty="0" smtClean="0"/>
+              <a:t> and the end</a:t>
+            </a:r>
+          </a:p>
+          <a:p>
+            <a:endParaRPr kumimoji="1" lang="en-US" altLang="zh-TW" dirty="0" smtClean="0"/>
+          </a:p>
+        </p:txBody>
+      </p:sp>
+      <p:sp>
+        <p:nvSpPr>
+          <p:cNvPr id="4" name="投影片編號版面配置區 3"/>
+          <p:cNvSpPr>
+            <a:spLocks noGrp="1"/>
+          </p:cNvSpPr>
+          <p:nvPr>
+            <p:ph type="sldNum" sz="quarter" idx="10"/>
+          </p:nvPr>
+        </p:nvSpPr>
+        <p:spPr/>
+        <p:txBody>
+          <a:bodyPr/>
+          <a:lstStyle/>
+          <a:p>
+            <a:fld id="{0076CC28-FB7C-F648-94A9-9359FA8551C9}" type="slidenum">
+              <a:rPr kumimoji="1" lang="zh-TW" altLang="en-US" smtClean="0"/>
+              <a:t>2</a:t>
+            </a:fld>
+            <a:endParaRPr kumimoji="1" lang="zh-TW" altLang="en-US"/>
+          </a:p>
+        </p:txBody>
+      </p:sp>
+    </p:spTree>
+    <p:extLst>
+      <p:ext uri="{BB962C8B-B14F-4D97-AF65-F5344CB8AC3E}">
+        <p14:creationId xmlns:p14="http://schemas.microsoft.com/office/powerpoint/2010/main" val="2135440297"/>
+      </p:ext>
+    </p:extLst>
+  </p:cSld>
+  <p:clrMapOvr>
+    <a:masterClrMapping/>
+  </p:clrMapOvr>
+</p:notes>
+</file>
+
+<file path=ppt/notesSlides/notesSlide3.xml><?xml version="1.0" encoding="utf-8"?>
+<p:notes xmlns:a="http://schemas.openxmlformats.org/drawingml/2006/main" xmlns:r="http://schemas.openxmlformats.org/officeDocument/2006/relationships" xmlns:p="http://schemas.openxmlformats.org/presentationml/2006/main">
+  <p:cSld>
+    <p:spTree>
+      <p:nvGrpSpPr>
+        <p:cNvPr id="1" name=""/>
+        <p:cNvGrpSpPr/>
+        <p:nvPr/>
+      </p:nvGrpSpPr>
+      <p:grpSpPr>
+        <a:xfrm>
+          <a:off x="0" y="0"/>
+          <a:ext cx="0" cy="0"/>
+          <a:chOff x="0" y="0"/>
+          <a:chExt cx="0" cy="0"/>
+        </a:xfrm>
+      </p:grpSpPr>
+      <p:sp>
+        <p:nvSpPr>
+          <p:cNvPr id="2" name="投影片影像版面配置區 1"/>
+          <p:cNvSpPr>
+            <a:spLocks noGrp="1" noRot="1" noChangeAspect="1"/>
+          </p:cNvSpPr>
+          <p:nvPr>
+            <p:ph type="sldImg"/>
+          </p:nvPr>
+        </p:nvSpPr>
+        <p:spPr/>
+      </p:sp>
+      <p:sp>
+        <p:nvSpPr>
+          <p:cNvPr id="3" name="備忘稿版面配置區 2"/>
+          <p:cNvSpPr>
+            <a:spLocks noGrp="1"/>
+          </p:cNvSpPr>
+          <p:nvPr>
+            <p:ph type="body" idx="1"/>
+          </p:nvPr>
+        </p:nvSpPr>
+        <p:spPr/>
+        <p:txBody>
+          <a:bodyPr/>
+          <a:lstStyle/>
+          <a:p>
+            <a:r>
+              <a:rPr kumimoji="1" lang="en-US" altLang="zh-TW" dirty="0" smtClean="0"/>
+              <a:t>Load</a:t>
+            </a:r>
+            <a:r>
+              <a:rPr kumimoji="1" lang="en-US" altLang="zh-TW" baseline="0" dirty="0" smtClean="0"/>
+              <a:t> with only fluidic resistant</a:t>
+            </a:r>
+          </a:p>
+          <a:p>
+            <a:r>
+              <a:rPr kumimoji="1" lang="en-US" altLang="zh-TW" baseline="0" dirty="0" smtClean="0"/>
+              <a:t>Misalignment</a:t>
+            </a:r>
+          </a:p>
+          <a:p>
+            <a:endParaRPr kumimoji="1" lang="en-US" altLang="zh-TW" baseline="0" dirty="0" smtClean="0"/>
+          </a:p>
+          <a:p>
+            <a:r>
+              <a:rPr kumimoji="1" lang="en-US" altLang="zh-TW" baseline="0" dirty="0" smtClean="0"/>
+              <a:t>Oil + acetone</a:t>
+            </a:r>
+          </a:p>
+          <a:p>
+            <a:r>
+              <a:rPr kumimoji="1" lang="en-US" altLang="zh-TW" baseline="0" dirty="0" smtClean="0"/>
+              <a:t>Friction reduce??</a:t>
+            </a:r>
+          </a:p>
+          <a:p>
+            <a:endParaRPr kumimoji="1" lang="en-US" altLang="zh-TW" baseline="0" dirty="0" smtClean="0"/>
+          </a:p>
+          <a:p>
+            <a:r>
+              <a:rPr kumimoji="1" lang="en-US" altLang="zh-TW" baseline="0" dirty="0" smtClean="0"/>
+              <a:t>HT friction coefficient is 0.1</a:t>
+            </a:r>
+          </a:p>
+          <a:p>
+            <a:r>
+              <a:rPr kumimoji="1" lang="en-US" altLang="zh-TW" baseline="0" dirty="0" smtClean="0"/>
+              <a:t>C is 0.3</a:t>
+            </a:r>
+          </a:p>
+          <a:p>
+            <a:endParaRPr kumimoji="1" lang="en-US" altLang="zh-TW" baseline="0" dirty="0" smtClean="0"/>
+          </a:p>
+          <a:p>
+            <a:r>
+              <a:rPr kumimoji="1" lang="en-US" altLang="zh-TW" baseline="0" dirty="0" smtClean="0"/>
+              <a:t>HT coated should look like oil coated</a:t>
+            </a:r>
+          </a:p>
+          <a:p>
+            <a:endParaRPr kumimoji="1" lang="en-US" altLang="zh-TW" baseline="0" dirty="0" smtClean="0"/>
+          </a:p>
+          <a:p>
+            <a:r>
+              <a:rPr kumimoji="1" lang="en-US" altLang="zh-TW" baseline="0" dirty="0" smtClean="0"/>
+              <a:t>Lubricated oil long chain oil (longer better)</a:t>
+            </a:r>
+          </a:p>
+          <a:p>
+            <a:r>
+              <a:rPr kumimoji="1" lang="en-US" altLang="zh-TW" baseline="0" dirty="0" smtClean="0"/>
+              <a:t>Smallest friction coefficient</a:t>
+            </a:r>
+          </a:p>
+          <a:p>
+            <a:r>
+              <a:rPr kumimoji="1" lang="en-US" altLang="zh-TW" baseline="0" dirty="0" smtClean="0"/>
+              <a:t>Trevor oil for stepper</a:t>
+            </a:r>
+          </a:p>
+          <a:p>
+            <a:r>
+              <a:rPr kumimoji="1" lang="en-US" altLang="zh-TW" baseline="0" dirty="0" err="1" smtClean="0"/>
+              <a:t>Fomblin</a:t>
+            </a:r>
+            <a:r>
+              <a:rPr kumimoji="1" lang="en-US" altLang="zh-TW" baseline="0" dirty="0" smtClean="0"/>
+              <a:t> oil</a:t>
+            </a:r>
+          </a:p>
+          <a:p>
+            <a:endParaRPr kumimoji="1" lang="en-US" altLang="zh-TW" baseline="0" dirty="0" smtClean="0"/>
+          </a:p>
+          <a:p>
+            <a:r>
+              <a:rPr kumimoji="1" lang="en-US" altLang="zh-TW" baseline="0" dirty="0" smtClean="0"/>
+              <a:t>Lubricated oil lubricated surface friction coefficient paper reported data??</a:t>
+            </a:r>
+          </a:p>
+          <a:p>
+            <a:endParaRPr kumimoji="1" lang="en-US" altLang="zh-TW" baseline="0" dirty="0" smtClean="0"/>
+          </a:p>
+          <a:p>
+            <a:r>
+              <a:rPr kumimoji="1" lang="en-US" altLang="zh-TW" baseline="0" dirty="0" err="1" smtClean="0"/>
+              <a:t>Polyethelyne</a:t>
+            </a:r>
+            <a:r>
+              <a:rPr kumimoji="1" lang="en-US" altLang="zh-TW" baseline="0" dirty="0" smtClean="0"/>
+              <a:t> friction </a:t>
+            </a:r>
+            <a:r>
+              <a:rPr kumimoji="1" lang="en-US" altLang="zh-TW" baseline="0" dirty="0" err="1" smtClean="0"/>
+              <a:t>coeffifeint</a:t>
+            </a:r>
+            <a:r>
+              <a:rPr kumimoji="1" lang="en-US" altLang="zh-TW" baseline="0" dirty="0" smtClean="0"/>
+              <a:t> just c-c-c-c-c</a:t>
+            </a:r>
+          </a:p>
+          <a:p>
+            <a:r>
+              <a:rPr kumimoji="1" lang="en-US" altLang="zh-TW" baseline="0" dirty="0" err="1" smtClean="0"/>
+              <a:t>Polystirine</a:t>
+            </a:r>
+            <a:r>
+              <a:rPr kumimoji="1" lang="en-US" altLang="zh-TW" baseline="0" dirty="0" smtClean="0"/>
+              <a:t> </a:t>
+            </a:r>
+            <a:r>
+              <a:rPr kumimoji="1" lang="en-US" altLang="zh-TW" baseline="0" dirty="0" err="1" smtClean="0"/>
+              <a:t>benzine</a:t>
+            </a:r>
+            <a:r>
+              <a:rPr kumimoji="1" lang="en-US" altLang="zh-TW" baseline="0" dirty="0" smtClean="0"/>
+              <a:t> ring and side </a:t>
+            </a:r>
+            <a:r>
+              <a:rPr kumimoji="1" lang="en-US" altLang="zh-TW" baseline="0" dirty="0" err="1" smtClean="0"/>
+              <a:t>chaine</a:t>
+            </a:r>
+            <a:endParaRPr kumimoji="1" lang="en-US" altLang="zh-TW" baseline="0" dirty="0" smtClean="0"/>
+          </a:p>
+          <a:p>
+            <a:endParaRPr kumimoji="1" lang="en-US" altLang="zh-TW" baseline="0" dirty="0" smtClean="0"/>
+          </a:p>
+          <a:p>
+            <a:r>
+              <a:rPr kumimoji="1" lang="en-US" altLang="zh-TW" baseline="0" dirty="0" smtClean="0"/>
+              <a:t>HT closed to PDFE</a:t>
+            </a:r>
+          </a:p>
+          <a:p>
+            <a:endParaRPr kumimoji="1" lang="zh-TW" altLang="en-US" dirty="0"/>
+          </a:p>
+        </p:txBody>
+      </p:sp>
+      <p:sp>
+        <p:nvSpPr>
+          <p:cNvPr id="4" name="投影片編號版面配置區 3"/>
+          <p:cNvSpPr>
+            <a:spLocks noGrp="1"/>
+          </p:cNvSpPr>
+          <p:nvPr>
+            <p:ph type="sldNum" sz="quarter" idx="10"/>
+          </p:nvPr>
+        </p:nvSpPr>
+        <p:spPr/>
+        <p:txBody>
+          <a:bodyPr/>
+          <a:lstStyle/>
+          <a:p>
+            <a:fld id="{0076CC28-FB7C-F648-94A9-9359FA8551C9}" type="slidenum">
+              <a:rPr kumimoji="1" lang="zh-TW" altLang="en-US" smtClean="0"/>
+              <a:t>3</a:t>
+            </a:fld>
+            <a:endParaRPr kumimoji="1" lang="zh-TW" altLang="en-US"/>
+          </a:p>
+        </p:txBody>
+      </p:sp>
+    </p:spTree>
+    <p:extLst>
+      <p:ext uri="{BB962C8B-B14F-4D97-AF65-F5344CB8AC3E}">
+        <p14:creationId xmlns:p14="http://schemas.microsoft.com/office/powerpoint/2010/main" val="1912573522"/>
+      </p:ext>
+    </p:extLst>
+  </p:cSld>
+  <p:clrMapOvr>
+    <a:masterClrMapping/>
+  </p:clrMapOvr>
+</p:notes>
+</file>
+
+<file path=ppt/notesSlides/notesSlide4.xml><?xml version="1.0" encoding="utf-8"?>
+<p:notes xmlns:a="http://schemas.openxmlformats.org/drawingml/2006/main" xmlns:r="http://schemas.openxmlformats.org/officeDocument/2006/relationships" xmlns:p="http://schemas.openxmlformats.org/presentationml/2006/main">
+  <p:cSld>
+    <p:spTree>
+      <p:nvGrpSpPr>
+        <p:cNvPr id="1" name=""/>
+        <p:cNvGrpSpPr/>
+        <p:nvPr/>
+      </p:nvGrpSpPr>
+      <p:grpSpPr>
+        <a:xfrm>
+          <a:off x="0" y="0"/>
+          <a:ext cx="0" cy="0"/>
+          <a:chOff x="0" y="0"/>
+          <a:chExt cx="0" cy="0"/>
+        </a:xfrm>
+      </p:grpSpPr>
+      <p:sp>
+        <p:nvSpPr>
+          <p:cNvPr id="2" name="投影片影像版面配置區 1"/>
+          <p:cNvSpPr>
+            <a:spLocks noGrp="1" noRot="1" noChangeAspect="1"/>
+          </p:cNvSpPr>
+          <p:nvPr>
+            <p:ph type="sldImg"/>
+          </p:nvPr>
+        </p:nvSpPr>
+        <p:spPr/>
+      </p:sp>
+      <p:sp>
+        <p:nvSpPr>
+          <p:cNvPr id="3" name="備忘稿版面配置區 2"/>
+          <p:cNvSpPr>
+            <a:spLocks noGrp="1"/>
+          </p:cNvSpPr>
+          <p:nvPr>
+            <p:ph type="body" idx="1"/>
+          </p:nvPr>
+        </p:nvSpPr>
+        <p:spPr/>
+        <p:txBody>
+          <a:bodyPr/>
+          <a:lstStyle/>
+          <a:p>
+            <a:r>
+              <a:rPr kumimoji="1" lang="en-US" altLang="zh-TW" dirty="0" smtClean="0"/>
+              <a:t>Degas water nick</a:t>
+            </a:r>
+            <a:endParaRPr kumimoji="1" lang="zh-TW" altLang="en-US" dirty="0"/>
+          </a:p>
+        </p:txBody>
+      </p:sp>
+      <p:sp>
+        <p:nvSpPr>
+          <p:cNvPr id="4" name="投影片編號版面配置區 3"/>
+          <p:cNvSpPr>
+            <a:spLocks noGrp="1"/>
+          </p:cNvSpPr>
+          <p:nvPr>
+            <p:ph type="sldNum" sz="quarter" idx="10"/>
+          </p:nvPr>
+        </p:nvSpPr>
+        <p:spPr/>
+        <p:txBody>
+          <a:bodyPr/>
+          <a:lstStyle/>
+          <a:p>
+            <a:fld id="{0076CC28-FB7C-F648-94A9-9359FA8551C9}" type="slidenum">
+              <a:rPr kumimoji="1" lang="zh-TW" altLang="en-US" smtClean="0"/>
+              <a:t>10</a:t>
+            </a:fld>
+            <a:endParaRPr kumimoji="1" lang="zh-TW" altLang="en-US"/>
+          </a:p>
+        </p:txBody>
+      </p:sp>
+    </p:spTree>
+    <p:extLst>
+      <p:ext uri="{BB962C8B-B14F-4D97-AF65-F5344CB8AC3E}">
+        <p14:creationId xmlns:p14="http://schemas.microsoft.com/office/powerpoint/2010/main" val="1780006504"/>
       </p:ext>
     </p:extLst>
   </p:cSld>
@@ -3567,7 +4021,7 @@
           <p:nvPr/>
         </p:nvPicPr>
         <p:blipFill>
-          <a:blip r:embed="rId2" cstate="print">
+          <a:blip r:embed="rId3" cstate="print">
             <a:extLst>
               <a:ext uri="{28A0092B-C50C-407E-A947-70E740481C1C}">
                 <a14:useLocalDpi xmlns:a14="http://schemas.microsoft.com/office/drawing/2010/main" val="0"/>
@@ -3597,7 +4051,7 @@
           <p:nvPr/>
         </p:nvPicPr>
         <p:blipFill>
-          <a:blip r:embed="rId3" cstate="print">
+          <a:blip r:embed="rId4" cstate="print">
             <a:extLst>
               <a:ext uri="{28A0092B-C50C-407E-A947-70E740481C1C}">
                 <a14:useLocalDpi xmlns:a14="http://schemas.microsoft.com/office/drawing/2010/main" val="0"/>
@@ -3795,7 +4249,7 @@
           <p:nvPr/>
         </p:nvPicPr>
         <p:blipFill>
-          <a:blip r:embed="rId4" cstate="print">
+          <a:blip r:embed="rId5" cstate="print">
             <a:extLst>
               <a:ext uri="{28A0092B-C50C-407E-A947-70E740481C1C}">
                 <a14:useLocalDpi xmlns:a14="http://schemas.microsoft.com/office/drawing/2010/main" val="0"/>
@@ -3825,7 +4279,7 @@
           <p:nvPr/>
         </p:nvPicPr>
         <p:blipFill>
-          <a:blip r:embed="rId5" cstate="print">
+          <a:blip r:embed="rId6" cstate="print">
             <a:extLst>
               <a:ext uri="{28A0092B-C50C-407E-A947-70E740481C1C}">
                 <a14:useLocalDpi xmlns:a14="http://schemas.microsoft.com/office/drawing/2010/main" val="0"/>
@@ -3892,7 +4346,7 @@
           <p:nvPr/>
         </p:nvPicPr>
         <p:blipFill>
-          <a:blip r:embed="rId2">
+          <a:blip r:embed="rId3">
             <a:extLst>
               <a:ext uri="{28A0092B-C50C-407E-A947-70E740481C1C}">
                 <a14:useLocalDpi xmlns:a14="http://schemas.microsoft.com/office/drawing/2010/main" val="0"/>
@@ -4002,7 +4456,7 @@
           <p:nvPr/>
         </p:nvPicPr>
         <p:blipFill>
-          <a:blip r:embed="rId2">
+          <a:blip r:embed="rId3">
             <a:extLst>
               <a:ext uri="{28A0092B-C50C-407E-A947-70E740481C1C}">
                 <a14:useLocalDpi xmlns:a14="http://schemas.microsoft.com/office/drawing/2010/main" val="0"/>
